--- a/论文/各种图.pptx
+++ b/论文/各种图.pptx
@@ -107,12 +107,17 @@
       </a:defRPr>
     </a:lvl9pPr>
   </p:defaultTextStyle>
+  <p:extLst>
+    <p:ext uri="{EFAFB233-063F-42B5-8137-9DF3F51BA10A}">
+      <p15:sldGuideLst xmlns:p15="http://schemas.microsoft.com/office/powerpoint/2012/main"/>
+    </p:ext>
+  </p:extLst>
 </p:presentation>
 </file>
 
 <file path=ppt/commentAuthors.xml><?xml version="1.0" encoding="utf-8"?>
 <p:cmAuthorLst xmlns:a="http://schemas.openxmlformats.org/drawingml/2006/main" xmlns:r="http://schemas.openxmlformats.org/officeDocument/2006/relationships" xmlns:p="http://schemas.openxmlformats.org/presentationml/2006/main">
-  <p:cmAuthor id="1" name="钱 政" initials="钱" lastIdx="1" clrIdx="0">
+  <p:cmAuthor id="1" name="钱 政" initials="钱" lastIdx="2" clrIdx="0">
     <p:extLst>
       <p:ext uri="{19B8F6BF-5375-455C-9EA6-DF929625EA0E}">
         <p15:presenceInfo xmlns:p15="http://schemas.microsoft.com/office/powerpoint/2012/main" userId="e844287a6e380b07" providerId="Windows Live"/>
@@ -120,6 +125,584 @@
     </p:extLst>
   </p:cmAuthor>
 </p:cmAuthorLst>
+</file>
+
+<file path=ppt/changesInfos/changesInfo1.xml><?xml version="1.0" encoding="utf-8"?>
+<pc:chgInfo xmlns:a="http://schemas.openxmlformats.org/drawingml/2006/main" xmlns:r="http://schemas.openxmlformats.org/officeDocument/2006/relationships" xmlns:ac="http://schemas.microsoft.com/office/drawing/2013/main/command" xmlns:pc="http://schemas.microsoft.com/office/powerpoint/2013/main/command">
+  <pc:docChgLst>
+    <pc:chgData name="钱 政" userId="e844287a6e380b07" providerId="LiveId" clId="{547F54BB-C5C6-48E0-854B-BF9E3024B3E7}"/>
+    <pc:docChg chg="undo custSel modSld">
+      <pc:chgData name="钱 政" userId="e844287a6e380b07" providerId="LiveId" clId="{547F54BB-C5C6-48E0-854B-BF9E3024B3E7}" dt="2020-03-30T12:02:58.669" v="144" actId="1076"/>
+      <pc:docMkLst>
+        <pc:docMk/>
+      </pc:docMkLst>
+      <pc:sldChg chg="modSp addCm delCm">
+        <pc:chgData name="钱 政" userId="e844287a6e380b07" providerId="LiveId" clId="{547F54BB-C5C6-48E0-854B-BF9E3024B3E7}" dt="2020-03-30T11:53:00.439" v="88" actId="208"/>
+        <pc:sldMkLst>
+          <pc:docMk/>
+          <pc:sldMk cId="2125115641" sldId="256"/>
+        </pc:sldMkLst>
+        <pc:spChg chg="mod">
+          <ac:chgData name="钱 政" userId="e844287a6e380b07" providerId="LiveId" clId="{547F54BB-C5C6-48E0-854B-BF9E3024B3E7}" dt="2020-03-30T11:51:02.500" v="59" actId="207"/>
+          <ac:spMkLst>
+            <pc:docMk/>
+            <pc:sldMk cId="2125115641" sldId="256"/>
+            <ac:spMk id="5" creationId="{4DC41414-9274-4622-9F75-0BBB0255A6FF}"/>
+          </ac:spMkLst>
+        </pc:spChg>
+        <pc:spChg chg="mod">
+          <ac:chgData name="钱 政" userId="e844287a6e380b07" providerId="LiveId" clId="{547F54BB-C5C6-48E0-854B-BF9E3024B3E7}" dt="2020-03-30T11:51:20.255" v="63" actId="207"/>
+          <ac:spMkLst>
+            <pc:docMk/>
+            <pc:sldMk cId="2125115641" sldId="256"/>
+            <ac:spMk id="8" creationId="{A757F209-A156-4C6E-BA8C-64072B5AE3FE}"/>
+          </ac:spMkLst>
+        </pc:spChg>
+        <pc:spChg chg="mod">
+          <ac:chgData name="钱 政" userId="e844287a6e380b07" providerId="LiveId" clId="{547F54BB-C5C6-48E0-854B-BF9E3024B3E7}" dt="2020-03-30T11:50:54.659" v="57" actId="207"/>
+          <ac:spMkLst>
+            <pc:docMk/>
+            <pc:sldMk cId="2125115641" sldId="256"/>
+            <ac:spMk id="18" creationId="{5C0AEC88-113B-44CC-979B-896B895CBF8D}"/>
+          </ac:spMkLst>
+        </pc:spChg>
+        <pc:spChg chg="mod">
+          <ac:chgData name="钱 政" userId="e844287a6e380b07" providerId="LiveId" clId="{547F54BB-C5C6-48E0-854B-BF9E3024B3E7}" dt="2020-03-30T11:51:10.199" v="61" actId="207"/>
+          <ac:spMkLst>
+            <pc:docMk/>
+            <pc:sldMk cId="2125115641" sldId="256"/>
+            <ac:spMk id="26" creationId="{26F730CF-48BD-45AC-B0D2-E2D9260F331F}"/>
+          </ac:spMkLst>
+        </pc:spChg>
+        <pc:spChg chg="mod">
+          <ac:chgData name="钱 政" userId="e844287a6e380b07" providerId="LiveId" clId="{547F54BB-C5C6-48E0-854B-BF9E3024B3E7}" dt="2020-03-30T11:51:26.380" v="65" actId="208"/>
+          <ac:spMkLst>
+            <pc:docMk/>
+            <pc:sldMk cId="2125115641" sldId="256"/>
+            <ac:spMk id="27" creationId="{D1408B39-86C8-47D2-A3C2-1D44EA9BBF68}"/>
+          </ac:spMkLst>
+        </pc:spChg>
+        <pc:spChg chg="mod">
+          <ac:chgData name="钱 政" userId="e844287a6e380b07" providerId="LiveId" clId="{547F54BB-C5C6-48E0-854B-BF9E3024B3E7}" dt="2020-03-30T11:51:45.901" v="71" actId="208"/>
+          <ac:spMkLst>
+            <pc:docMk/>
+            <pc:sldMk cId="2125115641" sldId="256"/>
+            <ac:spMk id="49" creationId="{1FAF0296-B930-4D18-8F9F-7C13E5D2B4CC}"/>
+          </ac:spMkLst>
+        </pc:spChg>
+        <pc:spChg chg="mod">
+          <ac:chgData name="钱 政" userId="e844287a6e380b07" providerId="LiveId" clId="{547F54BB-C5C6-48E0-854B-BF9E3024B3E7}" dt="2020-03-30T11:52:16.883" v="79" actId="207"/>
+          <ac:spMkLst>
+            <pc:docMk/>
+            <pc:sldMk cId="2125115641" sldId="256"/>
+            <ac:spMk id="64" creationId="{9C08D397-E982-4DA7-9F45-73195F3373FE}"/>
+          </ac:spMkLst>
+        </pc:spChg>
+        <pc:spChg chg="mod">
+          <ac:chgData name="钱 政" userId="e844287a6e380b07" providerId="LiveId" clId="{547F54BB-C5C6-48E0-854B-BF9E3024B3E7}" dt="2020-03-30T11:52:50.550" v="87" actId="208"/>
+          <ac:spMkLst>
+            <pc:docMk/>
+            <pc:sldMk cId="2125115641" sldId="256"/>
+            <ac:spMk id="65" creationId="{E6C539DF-736D-463B-A293-4C5FD31E447D}"/>
+          </ac:spMkLst>
+        </pc:spChg>
+        <pc:spChg chg="mod">
+          <ac:chgData name="钱 政" userId="e844287a6e380b07" providerId="LiveId" clId="{547F54BB-C5C6-48E0-854B-BF9E3024B3E7}" dt="2020-03-30T11:52:32.616" v="83" actId="208"/>
+          <ac:spMkLst>
+            <pc:docMk/>
+            <pc:sldMk cId="2125115641" sldId="256"/>
+            <ac:spMk id="70" creationId="{95C6E9E5-5631-4FF5-887A-39966F586972}"/>
+          </ac:spMkLst>
+        </pc:spChg>
+        <pc:spChg chg="mod">
+          <ac:chgData name="钱 政" userId="e844287a6e380b07" providerId="LiveId" clId="{547F54BB-C5C6-48E0-854B-BF9E3024B3E7}" dt="2020-03-30T11:52:40.654" v="85" actId="208"/>
+          <ac:spMkLst>
+            <pc:docMk/>
+            <pc:sldMk cId="2125115641" sldId="256"/>
+            <ac:spMk id="78" creationId="{C40A8463-C57E-435D-9357-883688EC1B01}"/>
+          </ac:spMkLst>
+        </pc:spChg>
+        <pc:spChg chg="mod">
+          <ac:chgData name="钱 政" userId="e844287a6e380b07" providerId="LiveId" clId="{547F54BB-C5C6-48E0-854B-BF9E3024B3E7}" dt="2020-03-30T11:51:38.568" v="69" actId="207"/>
+          <ac:spMkLst>
+            <pc:docMk/>
+            <pc:sldMk cId="2125115641" sldId="256"/>
+            <ac:spMk id="89" creationId="{F0563D49-9B52-4A78-9D17-24991CE9BFF3}"/>
+          </ac:spMkLst>
+        </pc:spChg>
+        <pc:spChg chg="mod">
+          <ac:chgData name="钱 政" userId="e844287a6e380b07" providerId="LiveId" clId="{547F54BB-C5C6-48E0-854B-BF9E3024B3E7}" dt="2020-03-30T11:51:51.406" v="74" actId="208"/>
+          <ac:spMkLst>
+            <pc:docMk/>
+            <pc:sldMk cId="2125115641" sldId="256"/>
+            <ac:spMk id="113" creationId="{5668FD3A-58B9-4B96-AD87-AE718E4BC799}"/>
+          </ac:spMkLst>
+        </pc:spChg>
+        <pc:spChg chg="mod">
+          <ac:chgData name="钱 政" userId="e844287a6e380b07" providerId="LiveId" clId="{547F54BB-C5C6-48E0-854B-BF9E3024B3E7}" dt="2020-03-30T11:53:00.439" v="88" actId="208"/>
+          <ac:spMkLst>
+            <pc:docMk/>
+            <pc:sldMk cId="2125115641" sldId="256"/>
+            <ac:spMk id="124" creationId="{A7A400B0-3FCA-4D22-BADA-75915D220E10}"/>
+          </ac:spMkLst>
+        </pc:spChg>
+        <pc:spChg chg="mod">
+          <ac:chgData name="钱 政" userId="e844287a6e380b07" providerId="LiveId" clId="{547F54BB-C5C6-48E0-854B-BF9E3024B3E7}" dt="2020-03-30T11:51:31.087" v="67" actId="207"/>
+          <ac:spMkLst>
+            <pc:docMk/>
+            <pc:sldMk cId="2125115641" sldId="256"/>
+            <ac:spMk id="131" creationId="{B97C41A8-C751-4492-9588-6B9905E7BE7F}"/>
+          </ac:spMkLst>
+        </pc:spChg>
+        <pc:spChg chg="mod">
+          <ac:chgData name="钱 政" userId="e844287a6e380b07" providerId="LiveId" clId="{547F54BB-C5C6-48E0-854B-BF9E3024B3E7}" dt="2020-03-30T11:52:06.446" v="77" actId="208"/>
+          <ac:spMkLst>
+            <pc:docMk/>
+            <pc:sldMk cId="2125115641" sldId="256"/>
+            <ac:spMk id="137" creationId="{B782B669-E4F3-46B7-876A-1A6A820A56B6}"/>
+          </ac:spMkLst>
+        </pc:spChg>
+      </pc:sldChg>
+      <pc:sldChg chg="addSp modSp">
+        <pc:chgData name="钱 政" userId="e844287a6e380b07" providerId="LiveId" clId="{547F54BB-C5C6-48E0-854B-BF9E3024B3E7}" dt="2020-03-29T07:33:43.125" v="55" actId="13822"/>
+        <pc:sldMkLst>
+          <pc:docMk/>
+          <pc:sldMk cId="1601896753" sldId="257"/>
+        </pc:sldMkLst>
+        <pc:spChg chg="mod">
+          <ac:chgData name="钱 政" userId="e844287a6e380b07" providerId="LiveId" clId="{547F54BB-C5C6-48E0-854B-BF9E3024B3E7}" dt="2020-03-29T07:24:09.888" v="1" actId="207"/>
+          <ac:spMkLst>
+            <pc:docMk/>
+            <pc:sldMk cId="1601896753" sldId="257"/>
+            <ac:spMk id="4" creationId="{102F4177-38EC-45B3-9E49-B14F6895B736}"/>
+          </ac:spMkLst>
+        </pc:spChg>
+        <pc:spChg chg="mod">
+          <ac:chgData name="钱 政" userId="e844287a6e380b07" providerId="LiveId" clId="{547F54BB-C5C6-48E0-854B-BF9E3024B3E7}" dt="2020-03-29T07:30:50.418" v="27" actId="1076"/>
+          <ac:spMkLst>
+            <pc:docMk/>
+            <pc:sldMk cId="1601896753" sldId="257"/>
+            <ac:spMk id="5" creationId="{52646913-2CCE-44EC-A3D3-3F5029CD0D1A}"/>
+          </ac:spMkLst>
+        </pc:spChg>
+        <pc:spChg chg="mod">
+          <ac:chgData name="钱 政" userId="e844287a6e380b07" providerId="LiveId" clId="{547F54BB-C5C6-48E0-854B-BF9E3024B3E7}" dt="2020-03-29T07:31:09.297" v="29" actId="1076"/>
+          <ac:spMkLst>
+            <pc:docMk/>
+            <pc:sldMk cId="1601896753" sldId="257"/>
+            <ac:spMk id="6" creationId="{BBD370F6-4F14-446E-AA60-B3071D574D57}"/>
+          </ac:spMkLst>
+        </pc:spChg>
+        <pc:spChg chg="mod">
+          <ac:chgData name="钱 政" userId="e844287a6e380b07" providerId="LiveId" clId="{547F54BB-C5C6-48E0-854B-BF9E3024B3E7}" dt="2020-03-29T07:31:19.196" v="30" actId="1076"/>
+          <ac:spMkLst>
+            <pc:docMk/>
+            <pc:sldMk cId="1601896753" sldId="257"/>
+            <ac:spMk id="7" creationId="{80588B0E-EE8B-4057-8469-F06925BF454C}"/>
+          </ac:spMkLst>
+        </pc:spChg>
+        <pc:spChg chg="mod">
+          <ac:chgData name="钱 政" userId="e844287a6e380b07" providerId="LiveId" clId="{547F54BB-C5C6-48E0-854B-BF9E3024B3E7}" dt="2020-03-29T07:24:43.609" v="9" actId="207"/>
+          <ac:spMkLst>
+            <pc:docMk/>
+            <pc:sldMk cId="1601896753" sldId="257"/>
+            <ac:spMk id="8" creationId="{C22FE70E-BEC6-49AE-B823-301A35300675}"/>
+          </ac:spMkLst>
+        </pc:spChg>
+        <pc:spChg chg="mod">
+          <ac:chgData name="钱 政" userId="e844287a6e380b07" providerId="LiveId" clId="{547F54BB-C5C6-48E0-854B-BF9E3024B3E7}" dt="2020-03-29T07:31:34.666" v="32" actId="1076"/>
+          <ac:spMkLst>
+            <pc:docMk/>
+            <pc:sldMk cId="1601896753" sldId="257"/>
+            <ac:spMk id="9" creationId="{775B14C8-7746-4A20-A5A2-E989E0BBCAC2}"/>
+          </ac:spMkLst>
+        </pc:spChg>
+        <pc:spChg chg="mod">
+          <ac:chgData name="钱 政" userId="e844287a6e380b07" providerId="LiveId" clId="{547F54BB-C5C6-48E0-854B-BF9E3024B3E7}" dt="2020-03-29T07:30:50.418" v="27" actId="1076"/>
+          <ac:spMkLst>
+            <pc:docMk/>
+            <pc:sldMk cId="1601896753" sldId="257"/>
+            <ac:spMk id="10" creationId="{65091C78-B33D-4C7A-A9FB-3F76035A52FF}"/>
+          </ac:spMkLst>
+        </pc:spChg>
+        <pc:spChg chg="mod">
+          <ac:chgData name="钱 政" userId="e844287a6e380b07" providerId="LiveId" clId="{547F54BB-C5C6-48E0-854B-BF9E3024B3E7}" dt="2020-03-29T07:31:09.297" v="29" actId="1076"/>
+          <ac:spMkLst>
+            <pc:docMk/>
+            <pc:sldMk cId="1601896753" sldId="257"/>
+            <ac:spMk id="11" creationId="{390BC79B-92CD-44A6-B47F-44250DEB6E8E}"/>
+          </ac:spMkLst>
+        </pc:spChg>
+        <pc:spChg chg="mod">
+          <ac:chgData name="钱 政" userId="e844287a6e380b07" providerId="LiveId" clId="{547F54BB-C5C6-48E0-854B-BF9E3024B3E7}" dt="2020-03-29T07:31:30.142" v="31" actId="1076"/>
+          <ac:spMkLst>
+            <pc:docMk/>
+            <pc:sldMk cId="1601896753" sldId="257"/>
+            <ac:spMk id="12" creationId="{EA7AAC59-AD4F-4E55-BB63-2C5E903CC8EF}"/>
+          </ac:spMkLst>
+        </pc:spChg>
+        <pc:spChg chg="mod">
+          <ac:chgData name="钱 政" userId="e844287a6e380b07" providerId="LiveId" clId="{547F54BB-C5C6-48E0-854B-BF9E3024B3E7}" dt="2020-03-29T07:31:09.297" v="29" actId="1076"/>
+          <ac:spMkLst>
+            <pc:docMk/>
+            <pc:sldMk cId="1601896753" sldId="257"/>
+            <ac:spMk id="13" creationId="{9302105A-8EA8-426A-8173-BBAED1EABB58}"/>
+          </ac:spMkLst>
+        </pc:spChg>
+        <pc:spChg chg="mod">
+          <ac:chgData name="钱 政" userId="e844287a6e380b07" providerId="LiveId" clId="{547F54BB-C5C6-48E0-854B-BF9E3024B3E7}" dt="2020-03-29T07:31:19.196" v="30" actId="1076"/>
+          <ac:spMkLst>
+            <pc:docMk/>
+            <pc:sldMk cId="1601896753" sldId="257"/>
+            <ac:spMk id="14" creationId="{1A8B328A-37F1-45E6-AF9C-FB7FA9A74091}"/>
+          </ac:spMkLst>
+        </pc:spChg>
+        <pc:spChg chg="mod">
+          <ac:chgData name="钱 政" userId="e844287a6e380b07" providerId="LiveId" clId="{547F54BB-C5C6-48E0-854B-BF9E3024B3E7}" dt="2020-03-29T07:31:19.196" v="30" actId="1076"/>
+          <ac:spMkLst>
+            <pc:docMk/>
+            <pc:sldMk cId="1601896753" sldId="257"/>
+            <ac:spMk id="15" creationId="{26F36064-DFAA-43C6-9D7D-CF8A7237A6AD}"/>
+          </ac:spMkLst>
+        </pc:spChg>
+        <pc:spChg chg="add mod">
+          <ac:chgData name="钱 政" userId="e844287a6e380b07" providerId="LiveId" clId="{547F54BB-C5C6-48E0-854B-BF9E3024B3E7}" dt="2020-03-29T07:32:11.437" v="40"/>
+          <ac:spMkLst>
+            <pc:docMk/>
+            <pc:sldMk cId="1601896753" sldId="257"/>
+            <ac:spMk id="34" creationId="{EB3A95FA-05EB-4C2E-A198-A97EA3740758}"/>
+          </ac:spMkLst>
+        </pc:spChg>
+        <pc:cxnChg chg="mod">
+          <ac:chgData name="钱 政" userId="e844287a6e380b07" providerId="LiveId" clId="{547F54BB-C5C6-48E0-854B-BF9E3024B3E7}" dt="2020-03-29T07:33:06.858" v="47" actId="13822"/>
+          <ac:cxnSpMkLst>
+            <pc:docMk/>
+            <pc:sldMk cId="1601896753" sldId="257"/>
+            <ac:cxnSpMk id="19" creationId="{196E388D-0D6C-4DA3-8456-4D794221710B}"/>
+          </ac:cxnSpMkLst>
+        </pc:cxnChg>
+        <pc:cxnChg chg="mod">
+          <ac:chgData name="钱 政" userId="e844287a6e380b07" providerId="LiveId" clId="{547F54BB-C5C6-48E0-854B-BF9E3024B3E7}" dt="2020-03-29T07:33:13.331" v="48" actId="13822"/>
+          <ac:cxnSpMkLst>
+            <pc:docMk/>
+            <pc:sldMk cId="1601896753" sldId="257"/>
+            <ac:cxnSpMk id="21" creationId="{199D7C91-5582-4CFA-8189-E37839158AEE}"/>
+          </ac:cxnSpMkLst>
+        </pc:cxnChg>
+        <pc:cxnChg chg="mod">
+          <ac:chgData name="钱 政" userId="e844287a6e380b07" providerId="LiveId" clId="{547F54BB-C5C6-48E0-854B-BF9E3024B3E7}" dt="2020-03-29T07:33:17.005" v="49" actId="13822"/>
+          <ac:cxnSpMkLst>
+            <pc:docMk/>
+            <pc:sldMk cId="1601896753" sldId="257"/>
+            <ac:cxnSpMk id="23" creationId="{4133778B-F7EA-4E2D-A957-D5E4BE501CCD}"/>
+          </ac:cxnSpMkLst>
+        </pc:cxnChg>
+        <pc:cxnChg chg="add mod">
+          <ac:chgData name="钱 政" userId="e844287a6e380b07" providerId="LiveId" clId="{547F54BB-C5C6-48E0-854B-BF9E3024B3E7}" dt="2020-03-29T07:32:39.029" v="43" actId="13822"/>
+          <ac:cxnSpMkLst>
+            <pc:docMk/>
+            <pc:sldMk cId="1601896753" sldId="257"/>
+            <ac:cxnSpMk id="26" creationId="{DE2E73BD-ED68-40F5-AB23-75717B6DABD9}"/>
+          </ac:cxnSpMkLst>
+        </pc:cxnChg>
+        <pc:cxnChg chg="mod">
+          <ac:chgData name="钱 政" userId="e844287a6e380b07" providerId="LiveId" clId="{547F54BB-C5C6-48E0-854B-BF9E3024B3E7}" dt="2020-03-29T07:33:21.251" v="50" actId="13822"/>
+          <ac:cxnSpMkLst>
+            <pc:docMk/>
+            <pc:sldMk cId="1601896753" sldId="257"/>
+            <ac:cxnSpMk id="27" creationId="{EA29D00F-7A57-48EF-89EB-A708AF5C2E0B}"/>
+          </ac:cxnSpMkLst>
+        </pc:cxnChg>
+        <pc:cxnChg chg="mod">
+          <ac:chgData name="钱 政" userId="e844287a6e380b07" providerId="LiveId" clId="{547F54BB-C5C6-48E0-854B-BF9E3024B3E7}" dt="2020-03-29T07:33:25.022" v="51" actId="13822"/>
+          <ac:cxnSpMkLst>
+            <pc:docMk/>
+            <pc:sldMk cId="1601896753" sldId="257"/>
+            <ac:cxnSpMk id="29" creationId="{197DB686-8E00-44F9-8718-2AB5CD26E7D1}"/>
+          </ac:cxnSpMkLst>
+        </pc:cxnChg>
+        <pc:cxnChg chg="mod">
+          <ac:chgData name="钱 政" userId="e844287a6e380b07" providerId="LiveId" clId="{547F54BB-C5C6-48E0-854B-BF9E3024B3E7}" dt="2020-03-29T07:33:34.573" v="53" actId="13822"/>
+          <ac:cxnSpMkLst>
+            <pc:docMk/>
+            <pc:sldMk cId="1601896753" sldId="257"/>
+            <ac:cxnSpMk id="31" creationId="{62F66C21-671A-4A0A-B6CC-7A4C4FA8D1D0}"/>
+          </ac:cxnSpMkLst>
+        </pc:cxnChg>
+        <pc:cxnChg chg="mod">
+          <ac:chgData name="钱 政" userId="e844287a6e380b07" providerId="LiveId" clId="{547F54BB-C5C6-48E0-854B-BF9E3024B3E7}" dt="2020-03-29T07:33:38.253" v="54" actId="13822"/>
+          <ac:cxnSpMkLst>
+            <pc:docMk/>
+            <pc:sldMk cId="1601896753" sldId="257"/>
+            <ac:cxnSpMk id="33" creationId="{A69DA24C-8DBE-4529-B24B-4D1823B12B87}"/>
+          </ac:cxnSpMkLst>
+        </pc:cxnChg>
+        <pc:cxnChg chg="mod">
+          <ac:chgData name="钱 政" userId="e844287a6e380b07" providerId="LiveId" clId="{547F54BB-C5C6-48E0-854B-BF9E3024B3E7}" dt="2020-03-29T07:32:56.107" v="45" actId="13822"/>
+          <ac:cxnSpMkLst>
+            <pc:docMk/>
+            <pc:sldMk cId="1601896753" sldId="257"/>
+            <ac:cxnSpMk id="35" creationId="{A2304C17-5DB3-4A74-9A7B-168279A1D72D}"/>
+          </ac:cxnSpMkLst>
+        </pc:cxnChg>
+        <pc:cxnChg chg="mod">
+          <ac:chgData name="钱 政" userId="e844287a6e380b07" providerId="LiveId" clId="{547F54BB-C5C6-48E0-854B-BF9E3024B3E7}" dt="2020-03-29T07:33:30.705" v="52" actId="13822"/>
+          <ac:cxnSpMkLst>
+            <pc:docMk/>
+            <pc:sldMk cId="1601896753" sldId="257"/>
+            <ac:cxnSpMk id="37" creationId="{C4FB1499-64ED-4C50-9A0A-4EA9CBA82C31}"/>
+          </ac:cxnSpMkLst>
+        </pc:cxnChg>
+        <pc:cxnChg chg="mod">
+          <ac:chgData name="钱 政" userId="e844287a6e380b07" providerId="LiveId" clId="{547F54BB-C5C6-48E0-854B-BF9E3024B3E7}" dt="2020-03-29T07:33:43.125" v="55" actId="13822"/>
+          <ac:cxnSpMkLst>
+            <pc:docMk/>
+            <pc:sldMk cId="1601896753" sldId="257"/>
+            <ac:cxnSpMk id="39" creationId="{0A149843-9688-4239-8E6E-AEAA3CD3FD0F}"/>
+          </ac:cxnSpMkLst>
+        </pc:cxnChg>
+        <pc:cxnChg chg="mod">
+          <ac:chgData name="钱 政" userId="e844287a6e380b07" providerId="LiveId" clId="{547F54BB-C5C6-48E0-854B-BF9E3024B3E7}" dt="2020-03-29T07:33:02.122" v="46" actId="13822"/>
+          <ac:cxnSpMkLst>
+            <pc:docMk/>
+            <pc:sldMk cId="1601896753" sldId="257"/>
+            <ac:cxnSpMk id="41" creationId="{80B59E6F-12EC-4AA7-9AE7-B2662D994908}"/>
+          </ac:cxnSpMkLst>
+        </pc:cxnChg>
+      </pc:sldChg>
+      <pc:sldChg chg="addSp modSp">
+        <pc:chgData name="钱 政" userId="e844287a6e380b07" providerId="LiveId" clId="{547F54BB-C5C6-48E0-854B-BF9E3024B3E7}" dt="2020-03-30T12:01:47.135" v="140" actId="14100"/>
+        <pc:sldMkLst>
+          <pc:docMk/>
+          <pc:sldMk cId="84081854" sldId="258"/>
+        </pc:sldMkLst>
+        <pc:spChg chg="mod">
+          <ac:chgData name="钱 政" userId="e844287a6e380b07" providerId="LiveId" clId="{547F54BB-C5C6-48E0-854B-BF9E3024B3E7}" dt="2020-03-30T11:53:18.172" v="92" actId="207"/>
+          <ac:spMkLst>
+            <pc:docMk/>
+            <pc:sldMk cId="84081854" sldId="258"/>
+            <ac:spMk id="4" creationId="{A35D2919-EA59-4DE0-A22A-23099FDBD9B1}"/>
+          </ac:spMkLst>
+        </pc:spChg>
+        <pc:spChg chg="mod">
+          <ac:chgData name="钱 政" userId="e844287a6e380b07" providerId="LiveId" clId="{547F54BB-C5C6-48E0-854B-BF9E3024B3E7}" dt="2020-03-30T12:01:15.102" v="137" actId="14100"/>
+          <ac:spMkLst>
+            <pc:docMk/>
+            <pc:sldMk cId="84081854" sldId="258"/>
+            <ac:spMk id="6" creationId="{4A16F666-8F12-4394-A189-4D8B3DAC1F5F}"/>
+          </ac:spMkLst>
+        </pc:spChg>
+        <pc:spChg chg="mod">
+          <ac:chgData name="钱 政" userId="e844287a6e380b07" providerId="LiveId" clId="{547F54BB-C5C6-48E0-854B-BF9E3024B3E7}" dt="2020-03-30T12:01:38.651" v="139" actId="1076"/>
+          <ac:spMkLst>
+            <pc:docMk/>
+            <pc:sldMk cId="84081854" sldId="258"/>
+            <ac:spMk id="7" creationId="{8895394A-4F9F-466A-A02C-9C1547007BF7}"/>
+          </ac:spMkLst>
+        </pc:spChg>
+        <pc:spChg chg="mod">
+          <ac:chgData name="钱 政" userId="e844287a6e380b07" providerId="LiveId" clId="{547F54BB-C5C6-48E0-854B-BF9E3024B3E7}" dt="2020-03-30T11:53:48.033" v="97" actId="207"/>
+          <ac:spMkLst>
+            <pc:docMk/>
+            <pc:sldMk cId="84081854" sldId="258"/>
+            <ac:spMk id="12" creationId="{2D74DC71-4D9D-4B30-BDF6-B2F367642C84}"/>
+          </ac:spMkLst>
+        </pc:spChg>
+        <pc:spChg chg="mod">
+          <ac:chgData name="钱 政" userId="e844287a6e380b07" providerId="LiveId" clId="{547F54BB-C5C6-48E0-854B-BF9E3024B3E7}" dt="2020-03-30T11:53:13.292" v="91" actId="207"/>
+          <ac:spMkLst>
+            <pc:docMk/>
+            <pc:sldMk cId="84081854" sldId="258"/>
+            <ac:spMk id="14" creationId="{942B591C-78F0-4484-8459-1F8FF2F6FCCA}"/>
+          </ac:spMkLst>
+        </pc:spChg>
+        <pc:spChg chg="mod">
+          <ac:chgData name="钱 政" userId="e844287a6e380b07" providerId="LiveId" clId="{547F54BB-C5C6-48E0-854B-BF9E3024B3E7}" dt="2020-03-30T11:53:31.219" v="95" actId="207"/>
+          <ac:spMkLst>
+            <pc:docMk/>
+            <pc:sldMk cId="84081854" sldId="258"/>
+            <ac:spMk id="15" creationId="{80E2C7DF-096D-4402-9B94-FE71CAC5CD77}"/>
+          </ac:spMkLst>
+        </pc:spChg>
+        <pc:spChg chg="mod">
+          <ac:chgData name="钱 政" userId="e844287a6e380b07" providerId="LiveId" clId="{547F54BB-C5C6-48E0-854B-BF9E3024B3E7}" dt="2020-03-30T11:54:14.846" v="101" actId="20577"/>
+          <ac:spMkLst>
+            <pc:docMk/>
+            <pc:sldMk cId="84081854" sldId="258"/>
+            <ac:spMk id="29" creationId="{A05937FD-4CE5-4603-8D18-148CB2AD709D}"/>
+          </ac:spMkLst>
+        </pc:spChg>
+        <pc:spChg chg="mod">
+          <ac:chgData name="钱 政" userId="e844287a6e380b07" providerId="LiveId" clId="{547F54BB-C5C6-48E0-854B-BF9E3024B3E7}" dt="2020-03-30T11:53:22.228" v="93" actId="207"/>
+          <ac:spMkLst>
+            <pc:docMk/>
+            <pc:sldMk cId="84081854" sldId="258"/>
+            <ac:spMk id="30" creationId="{34B383C7-EF92-470B-AB8D-565335921C57}"/>
+          </ac:spMkLst>
+        </pc:spChg>
+        <pc:spChg chg="mod">
+          <ac:chgData name="钱 政" userId="e844287a6e380b07" providerId="LiveId" clId="{547F54BB-C5C6-48E0-854B-BF9E3024B3E7}" dt="2020-03-30T11:53:26.543" v="94" actId="207"/>
+          <ac:spMkLst>
+            <pc:docMk/>
+            <pc:sldMk cId="84081854" sldId="258"/>
+            <ac:spMk id="31" creationId="{17549A6D-FC57-4E92-B0E8-84648A03B6A7}"/>
+          </ac:spMkLst>
+        </pc:spChg>
+        <pc:spChg chg="add mod">
+          <ac:chgData name="钱 政" userId="e844287a6e380b07" providerId="LiveId" clId="{547F54BB-C5C6-48E0-854B-BF9E3024B3E7}" dt="2020-03-30T12:00:41.541" v="133" actId="1076"/>
+          <ac:spMkLst>
+            <pc:docMk/>
+            <pc:sldMk cId="84081854" sldId="258"/>
+            <ac:spMk id="41" creationId="{A53FE0E8-B16C-4DDA-849E-61B7550E4078}"/>
+          </ac:spMkLst>
+        </pc:spChg>
+        <pc:spChg chg="add mod">
+          <ac:chgData name="钱 政" userId="e844287a6e380b07" providerId="LiveId" clId="{547F54BB-C5C6-48E0-854B-BF9E3024B3E7}" dt="2020-03-30T12:00:47.784" v="134" actId="1076"/>
+          <ac:spMkLst>
+            <pc:docMk/>
+            <pc:sldMk cId="84081854" sldId="258"/>
+            <ac:spMk id="51" creationId="{D9151076-7C7F-4321-B24A-CCC65012C61B}"/>
+          </ac:spMkLst>
+        </pc:spChg>
+        <pc:spChg chg="add mod">
+          <ac:chgData name="钱 政" userId="e844287a6e380b07" providerId="LiveId" clId="{547F54BB-C5C6-48E0-854B-BF9E3024B3E7}" dt="2020-03-30T12:00:51.184" v="135" actId="1076"/>
+          <ac:spMkLst>
+            <pc:docMk/>
+            <pc:sldMk cId="84081854" sldId="258"/>
+            <ac:spMk id="52" creationId="{C9080C95-BD1C-47BA-B3E3-9058EC47F88A}"/>
+          </ac:spMkLst>
+        </pc:spChg>
+        <pc:spChg chg="mod">
+          <ac:chgData name="钱 政" userId="e844287a6e380b07" providerId="LiveId" clId="{547F54BB-C5C6-48E0-854B-BF9E3024B3E7}" dt="2020-03-30T11:53:59.704" v="99" actId="14100"/>
+          <ac:spMkLst>
+            <pc:docMk/>
+            <pc:sldMk cId="84081854" sldId="258"/>
+            <ac:spMk id="70" creationId="{46A2B933-A2E0-4ED0-A23E-624871975C09}"/>
+          </ac:spMkLst>
+        </pc:spChg>
+        <pc:spChg chg="mod">
+          <ac:chgData name="钱 政" userId="e844287a6e380b07" providerId="LiveId" clId="{547F54BB-C5C6-48E0-854B-BF9E3024B3E7}" dt="2020-03-30T12:00:35.836" v="132" actId="1076"/>
+          <ac:spMkLst>
+            <pc:docMk/>
+            <pc:sldMk cId="84081854" sldId="258"/>
+            <ac:spMk id="111" creationId="{59C18430-0D19-438D-A170-CA4FF175E85D}"/>
+          </ac:spMkLst>
+        </pc:spChg>
+        <pc:cxnChg chg="add mod">
+          <ac:chgData name="钱 政" userId="e844287a6e380b07" providerId="LiveId" clId="{547F54BB-C5C6-48E0-854B-BF9E3024B3E7}" dt="2020-03-30T12:00:41.541" v="133" actId="1076"/>
+          <ac:cxnSpMkLst>
+            <pc:docMk/>
+            <pc:sldMk cId="84081854" sldId="258"/>
+            <ac:cxnSpMk id="19" creationId="{9F64FDA0-5907-405D-BB26-41F736BC8D4A}"/>
+          </ac:cxnSpMkLst>
+        </pc:cxnChg>
+        <pc:cxnChg chg="add mod">
+          <ac:chgData name="钱 政" userId="e844287a6e380b07" providerId="LiveId" clId="{547F54BB-C5C6-48E0-854B-BF9E3024B3E7}" dt="2020-03-30T12:00:41.541" v="133" actId="1076"/>
+          <ac:cxnSpMkLst>
+            <pc:docMk/>
+            <pc:sldMk cId="84081854" sldId="258"/>
+            <ac:cxnSpMk id="21" creationId="{4A236D52-0AF7-4340-87B4-3644CA7BFA3D}"/>
+          </ac:cxnSpMkLst>
+        </pc:cxnChg>
+        <pc:cxnChg chg="mod">
+          <ac:chgData name="钱 政" userId="e844287a6e380b07" providerId="LiveId" clId="{547F54BB-C5C6-48E0-854B-BF9E3024B3E7}" dt="2020-03-30T11:53:59.704" v="99" actId="14100"/>
+          <ac:cxnSpMkLst>
+            <pc:docMk/>
+            <pc:sldMk cId="84081854" sldId="258"/>
+            <ac:cxnSpMk id="72" creationId="{C20A32DD-2F0A-4532-AF43-9D530F3DEF6C}"/>
+          </ac:cxnSpMkLst>
+        </pc:cxnChg>
+        <pc:cxnChg chg="mod">
+          <ac:chgData name="钱 政" userId="e844287a6e380b07" providerId="LiveId" clId="{547F54BB-C5C6-48E0-854B-BF9E3024B3E7}" dt="2020-03-30T11:53:59.704" v="99" actId="14100"/>
+          <ac:cxnSpMkLst>
+            <pc:docMk/>
+            <pc:sldMk cId="84081854" sldId="258"/>
+            <ac:cxnSpMk id="74" creationId="{AC21F8A9-9DD9-4C7E-A36F-65EFD3ED9DB1}"/>
+          </ac:cxnSpMkLst>
+        </pc:cxnChg>
+        <pc:cxnChg chg="mod">
+          <ac:chgData name="钱 政" userId="e844287a6e380b07" providerId="LiveId" clId="{547F54BB-C5C6-48E0-854B-BF9E3024B3E7}" dt="2020-03-30T12:01:47.135" v="140" actId="14100"/>
+          <ac:cxnSpMkLst>
+            <pc:docMk/>
+            <pc:sldMk cId="84081854" sldId="258"/>
+            <ac:cxnSpMk id="89" creationId="{5CCCD8AB-7E52-445D-B55D-0FCAD36BF5AC}"/>
+          </ac:cxnSpMkLst>
+        </pc:cxnChg>
+      </pc:sldChg>
+      <pc:sldChg chg="addSp modSp">
+        <pc:chgData name="钱 政" userId="e844287a6e380b07" providerId="LiveId" clId="{547F54BB-C5C6-48E0-854B-BF9E3024B3E7}" dt="2020-03-30T12:02:58.669" v="144" actId="1076"/>
+        <pc:sldMkLst>
+          <pc:docMk/>
+          <pc:sldMk cId="1209278025" sldId="259"/>
+        </pc:sldMkLst>
+        <pc:spChg chg="add mod">
+          <ac:chgData name="钱 政" userId="e844287a6e380b07" providerId="LiveId" clId="{547F54BB-C5C6-48E0-854B-BF9E3024B3E7}" dt="2020-03-30T12:02:03.540" v="142" actId="1076"/>
+          <ac:spMkLst>
+            <pc:docMk/>
+            <pc:sldMk cId="1209278025" sldId="259"/>
+            <ac:spMk id="38" creationId="{5C532B00-E44A-4F50-A91A-08F39983AC53}"/>
+          </ac:spMkLst>
+        </pc:spChg>
+        <pc:spChg chg="mod">
+          <ac:chgData name="钱 政" userId="e844287a6e380b07" providerId="LiveId" clId="{547F54BB-C5C6-48E0-854B-BF9E3024B3E7}" dt="2020-03-30T12:02:12.852" v="143" actId="1076"/>
+          <ac:spMkLst>
+            <pc:docMk/>
+            <pc:sldMk cId="1209278025" sldId="259"/>
+            <ac:spMk id="84" creationId="{019605AA-8BDD-4CAC-9CD8-9C57D32D94B6}"/>
+          </ac:spMkLst>
+        </pc:spChg>
+        <pc:spChg chg="mod">
+          <ac:chgData name="钱 政" userId="e844287a6e380b07" providerId="LiveId" clId="{547F54BB-C5C6-48E0-854B-BF9E3024B3E7}" dt="2020-03-30T12:02:58.669" v="144" actId="1076"/>
+          <ac:spMkLst>
+            <pc:docMk/>
+            <pc:sldMk cId="1209278025" sldId="259"/>
+            <ac:spMk id="90" creationId="{21940999-483B-4F0A-B2B0-A53758D26745}"/>
+          </ac:spMkLst>
+        </pc:spChg>
+        <pc:spChg chg="mod">
+          <ac:chgData name="钱 政" userId="e844287a6e380b07" providerId="LiveId" clId="{547F54BB-C5C6-48E0-854B-BF9E3024B3E7}" dt="2020-03-30T12:02:58.669" v="144" actId="1076"/>
+          <ac:spMkLst>
+            <pc:docMk/>
+            <pc:sldMk cId="1209278025" sldId="259"/>
+            <ac:spMk id="91" creationId="{D3775F00-61D5-4E14-AEA5-CF80062EF22F}"/>
+          </ac:spMkLst>
+        </pc:spChg>
+        <pc:spChg chg="mod">
+          <ac:chgData name="钱 政" userId="e844287a6e380b07" providerId="LiveId" clId="{547F54BB-C5C6-48E0-854B-BF9E3024B3E7}" dt="2020-03-30T12:02:58.669" v="144" actId="1076"/>
+          <ac:spMkLst>
+            <pc:docMk/>
+            <pc:sldMk cId="1209278025" sldId="259"/>
+            <ac:spMk id="94" creationId="{C3079B16-3914-4F06-8CBE-6E1FB1256424}"/>
+          </ac:spMkLst>
+        </pc:spChg>
+        <pc:cxnChg chg="mod">
+          <ac:chgData name="钱 政" userId="e844287a6e380b07" providerId="LiveId" clId="{547F54BB-C5C6-48E0-854B-BF9E3024B3E7}" dt="2020-03-30T12:02:12.852" v="143" actId="1076"/>
+          <ac:cxnSpMkLst>
+            <pc:docMk/>
+            <pc:sldMk cId="1209278025" sldId="259"/>
+            <ac:cxnSpMk id="82" creationId="{3881ADF6-69D3-49DB-B0E9-C2B80A54A146}"/>
+          </ac:cxnSpMkLst>
+        </pc:cxnChg>
+        <pc:cxnChg chg="mod">
+          <ac:chgData name="钱 政" userId="e844287a6e380b07" providerId="LiveId" clId="{547F54BB-C5C6-48E0-854B-BF9E3024B3E7}" dt="2020-03-30T12:02:58.669" v="144" actId="1076"/>
+          <ac:cxnSpMkLst>
+            <pc:docMk/>
+            <pc:sldMk cId="1209278025" sldId="259"/>
+            <ac:cxnSpMk id="92" creationId="{8F3BA46B-F8E8-450B-A77D-70DF1656B8FE}"/>
+          </ac:cxnSpMkLst>
+        </pc:cxnChg>
+        <pc:cxnChg chg="mod">
+          <ac:chgData name="钱 政" userId="e844287a6e380b07" providerId="LiveId" clId="{547F54BB-C5C6-48E0-854B-BF9E3024B3E7}" dt="2020-03-30T12:02:58.669" v="144" actId="1076"/>
+          <ac:cxnSpMkLst>
+            <pc:docMk/>
+            <pc:sldMk cId="1209278025" sldId="259"/>
+            <ac:cxnSpMk id="93" creationId="{04CAD77D-8A49-416F-A5B3-D724C0A8ABA8}"/>
+          </ac:cxnSpMkLst>
+        </pc:cxnChg>
+      </pc:sldChg>
+    </pc:docChg>
+  </pc:docChgLst>
+</pc:chgInfo>
 </file>
 
 <file path=ppt/slideLayouts/slideLayout1.xml><?xml version="1.0" encoding="utf-8"?>
@@ -269,7 +852,7 @@
           <a:p>
             <a:fld id="{9B6780D1-DB12-48EC-A672-7726F8852671}" type="datetimeFigureOut">
               <a:rPr lang="zh-CN" altLang="en-US" smtClean="0"/>
-              <a:t>2020/2/27</a:t>
+              <a:t>2020/3/30</a:t>
             </a:fld>
             <a:endParaRPr lang="zh-CN" altLang="en-US"/>
           </a:p>
@@ -467,7 +1050,7 @@
           <a:p>
             <a:fld id="{9B6780D1-DB12-48EC-A672-7726F8852671}" type="datetimeFigureOut">
               <a:rPr lang="zh-CN" altLang="en-US" smtClean="0"/>
-              <a:t>2020/2/27</a:t>
+              <a:t>2020/3/30</a:t>
             </a:fld>
             <a:endParaRPr lang="zh-CN" altLang="en-US"/>
           </a:p>
@@ -675,7 +1258,7 @@
           <a:p>
             <a:fld id="{9B6780D1-DB12-48EC-A672-7726F8852671}" type="datetimeFigureOut">
               <a:rPr lang="zh-CN" altLang="en-US" smtClean="0"/>
-              <a:t>2020/2/27</a:t>
+              <a:t>2020/3/30</a:t>
             </a:fld>
             <a:endParaRPr lang="zh-CN" altLang="en-US"/>
           </a:p>
@@ -873,7 +1456,7 @@
           <a:p>
             <a:fld id="{9B6780D1-DB12-48EC-A672-7726F8852671}" type="datetimeFigureOut">
               <a:rPr lang="zh-CN" altLang="en-US" smtClean="0"/>
-              <a:t>2020/2/27</a:t>
+              <a:t>2020/3/30</a:t>
             </a:fld>
             <a:endParaRPr lang="zh-CN" altLang="en-US"/>
           </a:p>
@@ -1148,7 +1731,7 @@
           <a:p>
             <a:fld id="{9B6780D1-DB12-48EC-A672-7726F8852671}" type="datetimeFigureOut">
               <a:rPr lang="zh-CN" altLang="en-US" smtClean="0"/>
-              <a:t>2020/2/27</a:t>
+              <a:t>2020/3/30</a:t>
             </a:fld>
             <a:endParaRPr lang="zh-CN" altLang="en-US"/>
           </a:p>
@@ -1413,7 +1996,7 @@
           <a:p>
             <a:fld id="{9B6780D1-DB12-48EC-A672-7726F8852671}" type="datetimeFigureOut">
               <a:rPr lang="zh-CN" altLang="en-US" smtClean="0"/>
-              <a:t>2020/2/27</a:t>
+              <a:t>2020/3/30</a:t>
             </a:fld>
             <a:endParaRPr lang="zh-CN" altLang="en-US"/>
           </a:p>
@@ -1825,7 +2408,7 @@
           <a:p>
             <a:fld id="{9B6780D1-DB12-48EC-A672-7726F8852671}" type="datetimeFigureOut">
               <a:rPr lang="zh-CN" altLang="en-US" smtClean="0"/>
-              <a:t>2020/2/27</a:t>
+              <a:t>2020/3/30</a:t>
             </a:fld>
             <a:endParaRPr lang="zh-CN" altLang="en-US"/>
           </a:p>
@@ -1966,7 +2549,7 @@
           <a:p>
             <a:fld id="{9B6780D1-DB12-48EC-A672-7726F8852671}" type="datetimeFigureOut">
               <a:rPr lang="zh-CN" altLang="en-US" smtClean="0"/>
-              <a:t>2020/2/27</a:t>
+              <a:t>2020/3/30</a:t>
             </a:fld>
             <a:endParaRPr lang="zh-CN" altLang="en-US"/>
           </a:p>
@@ -2079,7 +2662,7 @@
           <a:p>
             <a:fld id="{9B6780D1-DB12-48EC-A672-7726F8852671}" type="datetimeFigureOut">
               <a:rPr lang="zh-CN" altLang="en-US" smtClean="0"/>
-              <a:t>2020/2/27</a:t>
+              <a:t>2020/3/30</a:t>
             </a:fld>
             <a:endParaRPr lang="zh-CN" altLang="en-US"/>
           </a:p>
@@ -2390,7 +2973,7 @@
           <a:p>
             <a:fld id="{9B6780D1-DB12-48EC-A672-7726F8852671}" type="datetimeFigureOut">
               <a:rPr lang="zh-CN" altLang="en-US" smtClean="0"/>
-              <a:t>2020/2/27</a:t>
+              <a:t>2020/3/30</a:t>
             </a:fld>
             <a:endParaRPr lang="zh-CN" altLang="en-US"/>
           </a:p>
@@ -2678,7 +3261,7 @@
           <a:p>
             <a:fld id="{9B6780D1-DB12-48EC-A672-7726F8852671}" type="datetimeFigureOut">
               <a:rPr lang="zh-CN" altLang="en-US" smtClean="0"/>
-              <a:t>2020/2/27</a:t>
+              <a:t>2020/3/30</a:t>
             </a:fld>
             <a:endParaRPr lang="zh-CN" altLang="en-US"/>
           </a:p>
@@ -2919,7 +3502,7 @@
           <a:p>
             <a:fld id="{9B6780D1-DB12-48EC-A672-7726F8852671}" type="datetimeFigureOut">
               <a:rPr lang="zh-CN" altLang="en-US" smtClean="0"/>
-              <a:t>2020/2/27</a:t>
+              <a:t>2020/3/30</a:t>
             </a:fld>
             <a:endParaRPr lang="zh-CN" altLang="en-US"/>
           </a:p>
@@ -3357,8 +3940,13 @@
             <a:avLst/>
           </a:prstGeom>
           <a:solidFill>
-            <a:srgbClr val="D8FFFF"/>
+            <a:schemeClr val="bg1"/>
           </a:solidFill>
+          <a:ln>
+            <a:solidFill>
+              <a:schemeClr val="tx1"/>
+            </a:solidFill>
+          </a:ln>
         </p:spPr>
         <p:style>
           <a:lnRef idx="2">
@@ -3458,9 +4046,12 @@
           <a:prstGeom prst="roundRect">
             <a:avLst/>
           </a:prstGeom>
-          <a:solidFill>
-            <a:srgbClr val="D8FFFF"/>
-          </a:solidFill>
+          <a:noFill/>
+          <a:ln>
+            <a:solidFill>
+              <a:schemeClr val="tx1"/>
+            </a:solidFill>
+          </a:ln>
         </p:spPr>
         <p:style>
           <a:lnRef idx="2">
@@ -3515,8 +4106,13 @@
             <a:avLst/>
           </a:prstGeom>
           <a:solidFill>
-            <a:srgbClr val="D8FFFF"/>
+            <a:schemeClr val="bg1"/>
           </a:solidFill>
+          <a:ln>
+            <a:solidFill>
+              <a:schemeClr val="tx1"/>
+            </a:solidFill>
+          </a:ln>
         </p:spPr>
         <p:style>
           <a:lnRef idx="2">
@@ -3575,9 +4171,12 @@
           <a:prstGeom prst="roundRect">
             <a:avLst/>
           </a:prstGeom>
-          <a:solidFill>
-            <a:srgbClr val="D8FFFF"/>
-          </a:solidFill>
+          <a:noFill/>
+          <a:ln>
+            <a:solidFill>
+              <a:schemeClr val="tx1"/>
+            </a:solidFill>
+          </a:ln>
         </p:spPr>
         <p:style>
           <a:lnRef idx="2">
@@ -3632,8 +4231,13 @@
             <a:avLst/>
           </a:prstGeom>
           <a:solidFill>
-            <a:srgbClr val="D8FFFF"/>
+            <a:schemeClr val="bg1"/>
           </a:solidFill>
+          <a:ln>
+            <a:solidFill>
+              <a:schemeClr val="tx1"/>
+            </a:solidFill>
+          </a:ln>
         </p:spPr>
         <p:style>
           <a:lnRef idx="2">
@@ -3900,9 +4504,12 @@
           <a:prstGeom prst="roundRect">
             <a:avLst/>
           </a:prstGeom>
-          <a:solidFill>
-            <a:srgbClr val="D8FFFF"/>
-          </a:solidFill>
+          <a:noFill/>
+          <a:ln>
+            <a:solidFill>
+              <a:schemeClr val="tx1"/>
+            </a:solidFill>
+          </a:ln>
         </p:spPr>
         <p:style>
           <a:lnRef idx="2">
@@ -4002,9 +4609,12 @@
           <a:prstGeom prst="roundRect">
             <a:avLst/>
           </a:prstGeom>
-          <a:solidFill>
-            <a:srgbClr val="D8FFFF"/>
-          </a:solidFill>
+          <a:noFill/>
+          <a:ln>
+            <a:solidFill>
+              <a:schemeClr val="tx1"/>
+            </a:solidFill>
+          </a:ln>
         </p:spPr>
         <p:style>
           <a:lnRef idx="2">
@@ -4059,8 +4669,13 @@
             <a:avLst/>
           </a:prstGeom>
           <a:solidFill>
-            <a:srgbClr val="D8FFFF"/>
+            <a:schemeClr val="bg1"/>
           </a:solidFill>
+          <a:ln>
+            <a:solidFill>
+              <a:schemeClr val="tx1"/>
+            </a:solidFill>
+          </a:ln>
         </p:spPr>
         <p:style>
           <a:lnRef idx="2">
@@ -4222,8 +4837,13 @@
             <a:avLst/>
           </a:prstGeom>
           <a:solidFill>
-            <a:srgbClr val="D8FFFF"/>
+            <a:schemeClr val="bg1"/>
           </a:solidFill>
+          <a:ln>
+            <a:solidFill>
+              <a:schemeClr val="tx1"/>
+            </a:solidFill>
+          </a:ln>
         </p:spPr>
         <p:style>
           <a:lnRef idx="2">
@@ -4369,8 +4989,13 @@
             <a:avLst/>
           </a:prstGeom>
           <a:solidFill>
-            <a:srgbClr val="D8FFFF"/>
+            <a:schemeClr val="bg1"/>
           </a:solidFill>
+          <a:ln>
+            <a:solidFill>
+              <a:schemeClr val="tx1"/>
+            </a:solidFill>
+          </a:ln>
         </p:spPr>
         <p:style>
           <a:lnRef idx="2">
@@ -4516,8 +5141,13 @@
             <a:avLst/>
           </a:prstGeom>
           <a:solidFill>
-            <a:srgbClr val="D8FFFF"/>
+            <a:schemeClr val="bg1"/>
           </a:solidFill>
+          <a:ln>
+            <a:solidFill>
+              <a:schemeClr val="tx1"/>
+            </a:solidFill>
+          </a:ln>
         </p:spPr>
         <p:style>
           <a:lnRef idx="2">
@@ -4618,8 +5248,13 @@
             <a:avLst/>
           </a:prstGeom>
           <a:solidFill>
-            <a:srgbClr val="D8FFFF"/>
+            <a:schemeClr val="bg1"/>
           </a:solidFill>
+          <a:ln>
+            <a:solidFill>
+              <a:schemeClr val="tx1"/>
+            </a:solidFill>
+          </a:ln>
         </p:spPr>
         <p:style>
           <a:lnRef idx="2">
@@ -4761,8 +5396,13 @@
             <a:avLst/>
           </a:prstGeom>
           <a:solidFill>
-            <a:srgbClr val="D8FFFF"/>
+            <a:schemeClr val="bg1"/>
           </a:solidFill>
+          <a:ln>
+            <a:solidFill>
+              <a:schemeClr val="tx1"/>
+            </a:solidFill>
+          </a:ln>
         </p:spPr>
         <p:style>
           <a:lnRef idx="2">
@@ -4909,8 +5549,13 @@
             <a:avLst/>
           </a:prstGeom>
           <a:solidFill>
-            <a:srgbClr val="D8FFFF"/>
+            <a:schemeClr val="bg1"/>
           </a:solidFill>
+          <a:ln>
+            <a:solidFill>
+              <a:schemeClr val="tx1"/>
+            </a:solidFill>
+          </a:ln>
         </p:spPr>
         <p:style>
           <a:lnRef idx="2">
@@ -5054,8 +5699,13 @@
             <a:avLst/>
           </a:prstGeom>
           <a:solidFill>
-            <a:srgbClr val="D8FFFF"/>
+            <a:schemeClr val="bg1"/>
           </a:solidFill>
+          <a:ln>
+            <a:solidFill>
+              <a:schemeClr val="tx1"/>
+            </a:solidFill>
+          </a:ln>
         </p:spPr>
         <p:style>
           <a:lnRef idx="2">
@@ -5247,9 +5897,12 @@
           <a:prstGeom prst="rect">
             <a:avLst/>
           </a:prstGeom>
-          <a:solidFill>
-            <a:srgbClr val="D8FFFF"/>
-          </a:solidFill>
+          <a:noFill/>
+          <a:ln>
+            <a:solidFill>
+              <a:schemeClr val="tx1"/>
+            </a:solidFill>
+          </a:ln>
         </p:spPr>
         <p:style>
           <a:lnRef idx="2">
@@ -5297,15 +5950,20 @@
         </p:nvSpPr>
         <p:spPr>
           <a:xfrm>
-            <a:off x="3868338" y="1112043"/>
+            <a:off x="3868338" y="686778"/>
             <a:ext cx="1316831" cy="633413"/>
           </a:xfrm>
           <a:prstGeom prst="rect">
             <a:avLst/>
           </a:prstGeom>
           <a:solidFill>
-            <a:srgbClr val="D8FFFF"/>
+            <a:schemeClr val="bg1"/>
           </a:solidFill>
+          <a:ln>
+            <a:solidFill>
+              <a:schemeClr val="tx1"/>
+            </a:solidFill>
+          </a:ln>
         </p:spPr>
         <p:style>
           <a:lnRef idx="2">
@@ -5369,15 +6027,20 @@
         </p:nvSpPr>
         <p:spPr>
           <a:xfrm>
-            <a:off x="3868339" y="2859886"/>
+            <a:off x="3877867" y="2239253"/>
             <a:ext cx="1237058" cy="633414"/>
           </a:xfrm>
           <a:prstGeom prst="rect">
             <a:avLst/>
           </a:prstGeom>
           <a:solidFill>
-            <a:srgbClr val="D8FFFF"/>
+            <a:schemeClr val="bg1"/>
           </a:solidFill>
+          <a:ln>
+            <a:solidFill>
+              <a:schemeClr val="tx1"/>
+            </a:solidFill>
+          </a:ln>
         </p:spPr>
         <p:style>
           <a:lnRef idx="2">
@@ -5425,15 +6088,18 @@
         </p:nvSpPr>
         <p:spPr>
           <a:xfrm>
-            <a:off x="3868338" y="4291028"/>
+            <a:off x="3868338" y="3631410"/>
             <a:ext cx="1316831" cy="581025"/>
           </a:xfrm>
           <a:prstGeom prst="rect">
             <a:avLst/>
           </a:prstGeom>
-          <a:solidFill>
-            <a:srgbClr val="D8FFFF"/>
-          </a:solidFill>
+          <a:noFill/>
+          <a:ln>
+            <a:solidFill>
+              <a:schemeClr val="tx1"/>
+            </a:solidFill>
+          </a:ln>
         </p:spPr>
         <p:style>
           <a:lnRef idx="2">
@@ -5503,9 +6169,12 @@
           <a:prstGeom prst="rect">
             <a:avLst/>
           </a:prstGeom>
-          <a:solidFill>
-            <a:srgbClr val="D8FFFF"/>
-          </a:solidFill>
+          <a:noFill/>
+          <a:ln>
+            <a:solidFill>
+              <a:schemeClr val="tx1"/>
+            </a:solidFill>
+          </a:ln>
         </p:spPr>
         <p:style>
           <a:lnRef idx="2">
@@ -5553,15 +6222,18 @@
         </p:nvSpPr>
         <p:spPr>
           <a:xfrm>
-            <a:off x="6262691" y="495298"/>
+            <a:off x="6262688" y="162195"/>
             <a:ext cx="1081084" cy="457201"/>
           </a:xfrm>
           <a:prstGeom prst="rect">
             <a:avLst/>
           </a:prstGeom>
-          <a:solidFill>
-            <a:srgbClr val="D8FFFF"/>
-          </a:solidFill>
+          <a:noFill/>
+          <a:ln>
+            <a:solidFill>
+              <a:schemeClr val="tx1"/>
+            </a:solidFill>
+          </a:ln>
         </p:spPr>
         <p:style>
           <a:lnRef idx="2">
@@ -5609,15 +6281,18 @@
         </p:nvSpPr>
         <p:spPr>
           <a:xfrm>
-            <a:off x="6262691" y="1200150"/>
+            <a:off x="6262691" y="774885"/>
             <a:ext cx="1081084" cy="457200"/>
           </a:xfrm>
           <a:prstGeom prst="rect">
             <a:avLst/>
           </a:prstGeom>
-          <a:solidFill>
-            <a:srgbClr val="D8FFFF"/>
-          </a:solidFill>
+          <a:noFill/>
+          <a:ln>
+            <a:solidFill>
+              <a:schemeClr val="tx1"/>
+            </a:solidFill>
+          </a:ln>
         </p:spPr>
         <p:style>
           <a:lnRef idx="2">
@@ -5665,15 +6340,20 @@
         </p:nvSpPr>
         <p:spPr>
           <a:xfrm>
-            <a:off x="6262690" y="3314703"/>
+            <a:off x="6272218" y="2694070"/>
             <a:ext cx="1081082" cy="457200"/>
           </a:xfrm>
           <a:prstGeom prst="rect">
             <a:avLst/>
           </a:prstGeom>
           <a:solidFill>
-            <a:srgbClr val="D8FFFF"/>
+            <a:schemeClr val="bg1"/>
           </a:solidFill>
+          <a:ln>
+            <a:solidFill>
+              <a:schemeClr val="tx1"/>
+            </a:solidFill>
+          </a:ln>
         </p:spPr>
         <p:style>
           <a:lnRef idx="2">
@@ -5721,15 +6401,20 @@
         </p:nvSpPr>
         <p:spPr>
           <a:xfrm>
-            <a:off x="6262690" y="1905001"/>
+            <a:off x="6262689" y="1409499"/>
             <a:ext cx="1081083" cy="457200"/>
           </a:xfrm>
           <a:prstGeom prst="rect">
             <a:avLst/>
           </a:prstGeom>
           <a:solidFill>
-            <a:srgbClr val="D8FFFF"/>
+            <a:schemeClr val="bg1"/>
           </a:solidFill>
+          <a:ln>
+            <a:solidFill>
+              <a:schemeClr val="tx1"/>
+            </a:solidFill>
+          </a:ln>
         </p:spPr>
         <p:style>
           <a:lnRef idx="2">
@@ -5777,15 +6462,20 @@
         </p:nvSpPr>
         <p:spPr>
           <a:xfrm>
-            <a:off x="6262690" y="2609852"/>
+            <a:off x="6272218" y="1989219"/>
             <a:ext cx="1081082" cy="457200"/>
           </a:xfrm>
           <a:prstGeom prst="rect">
             <a:avLst/>
           </a:prstGeom>
           <a:solidFill>
-            <a:srgbClr val="D8FFFF"/>
+            <a:schemeClr val="bg1"/>
           </a:solidFill>
+          <a:ln>
+            <a:solidFill>
+              <a:schemeClr val="tx1"/>
+            </a:solidFill>
+          </a:ln>
         </p:spPr>
         <p:style>
           <a:lnRef idx="2">
@@ -5833,15 +6523,18 @@
         </p:nvSpPr>
         <p:spPr>
           <a:xfrm>
-            <a:off x="6262690" y="4019554"/>
+            <a:off x="6262690" y="3359936"/>
             <a:ext cx="1081082" cy="457200"/>
           </a:xfrm>
           <a:prstGeom prst="rect">
             <a:avLst/>
           </a:prstGeom>
-          <a:solidFill>
-            <a:srgbClr val="D8FFFF"/>
-          </a:solidFill>
+          <a:noFill/>
+          <a:ln>
+            <a:solidFill>
+              <a:schemeClr val="tx1"/>
+            </a:solidFill>
+          </a:ln>
         </p:spPr>
         <p:style>
           <a:lnRef idx="2">
@@ -5889,15 +6582,20 @@
         </p:nvSpPr>
         <p:spPr>
           <a:xfrm>
-            <a:off x="6262690" y="4724405"/>
+            <a:off x="6262690" y="4064787"/>
             <a:ext cx="1081082" cy="457200"/>
           </a:xfrm>
           <a:prstGeom prst="rect">
             <a:avLst/>
           </a:prstGeom>
           <a:solidFill>
-            <a:srgbClr val="D8FFFF"/>
+            <a:schemeClr val="bg1"/>
           </a:solidFill>
+          <a:ln>
+            <a:solidFill>
+              <a:schemeClr val="tx1"/>
+            </a:solidFill>
+          </a:ln>
         </p:spPr>
         <p:style>
           <a:lnRef idx="2">
@@ -5949,12 +6647,457 @@
         </p:nvCxnSpPr>
         <p:spPr>
           <a:xfrm>
-            <a:off x="5185169" y="1428750"/>
+            <a:off x="5185169" y="1003485"/>
             <a:ext cx="1077522" cy="0"/>
           </a:xfrm>
           <a:prstGeom prst="line">
             <a:avLst/>
           </a:prstGeom>
+          <a:ln/>
+        </p:spPr>
+        <p:style>
+          <a:lnRef idx="2">
+            <a:schemeClr val="dk1"/>
+          </a:lnRef>
+          <a:fillRef idx="0">
+            <a:schemeClr val="dk1"/>
+          </a:fillRef>
+          <a:effectRef idx="1">
+            <a:schemeClr val="dk1"/>
+          </a:effectRef>
+          <a:fontRef idx="minor">
+            <a:schemeClr val="tx1"/>
+          </a:fontRef>
+        </p:style>
+      </p:cxnSp>
+      <p:cxnSp>
+        <p:nvCxnSpPr>
+          <p:cNvPr id="21" name="连接符: 肘形 20">
+            <a:extLst>
+              <a:ext uri="{FF2B5EF4-FFF2-40B4-BE49-F238E27FC236}">
+                <a16:creationId xmlns:a16="http://schemas.microsoft.com/office/drawing/2014/main" id="{199D7C91-5582-4CFA-8189-E37839158AEE}"/>
+              </a:ext>
+            </a:extLst>
+          </p:cNvPr>
+          <p:cNvCxnSpPr>
+            <a:cxnSpLocks/>
+            <a:stCxn id="5" idx="3"/>
+            <a:endCxn id="9" idx="1"/>
+          </p:cNvCxnSpPr>
+          <p:nvPr/>
+        </p:nvCxnSpPr>
+        <p:spPr>
+          <a:xfrm flipV="1">
+            <a:off x="5185169" y="390796"/>
+            <a:ext cx="1077519" cy="612689"/>
+          </a:xfrm>
+          <a:prstGeom prst="bentConnector3">
+            <a:avLst/>
+          </a:prstGeom>
+          <a:ln/>
+        </p:spPr>
+        <p:style>
+          <a:lnRef idx="2">
+            <a:schemeClr val="dk1"/>
+          </a:lnRef>
+          <a:fillRef idx="0">
+            <a:schemeClr val="dk1"/>
+          </a:fillRef>
+          <a:effectRef idx="1">
+            <a:schemeClr val="dk1"/>
+          </a:effectRef>
+          <a:fontRef idx="minor">
+            <a:schemeClr val="tx1"/>
+          </a:fontRef>
+        </p:style>
+      </p:cxnSp>
+      <p:cxnSp>
+        <p:nvCxnSpPr>
+          <p:cNvPr id="23" name="连接符: 肘形 22">
+            <a:extLst>
+              <a:ext uri="{FF2B5EF4-FFF2-40B4-BE49-F238E27FC236}">
+                <a16:creationId xmlns:a16="http://schemas.microsoft.com/office/drawing/2014/main" id="{4133778B-F7EA-4E2D-A957-D5E4BE501CCD}"/>
+              </a:ext>
+            </a:extLst>
+          </p:cNvPr>
+          <p:cNvCxnSpPr>
+            <a:cxnSpLocks/>
+            <a:stCxn id="5" idx="3"/>
+            <a:endCxn id="12" idx="1"/>
+          </p:cNvCxnSpPr>
+          <p:nvPr/>
+        </p:nvCxnSpPr>
+        <p:spPr>
+          <a:xfrm>
+            <a:off x="5185169" y="1003485"/>
+            <a:ext cx="1077520" cy="634614"/>
+          </a:xfrm>
+          <a:prstGeom prst="bentConnector3">
+            <a:avLst/>
+          </a:prstGeom>
+          <a:ln/>
+        </p:spPr>
+        <p:style>
+          <a:lnRef idx="3">
+            <a:schemeClr val="dk1"/>
+          </a:lnRef>
+          <a:fillRef idx="0">
+            <a:schemeClr val="dk1"/>
+          </a:fillRef>
+          <a:effectRef idx="2">
+            <a:schemeClr val="dk1"/>
+          </a:effectRef>
+          <a:fontRef idx="minor">
+            <a:schemeClr val="tx1"/>
+          </a:fontRef>
+        </p:style>
+      </p:cxnSp>
+      <p:cxnSp>
+        <p:nvCxnSpPr>
+          <p:cNvPr id="27" name="连接符: 肘形 26">
+            <a:extLst>
+              <a:ext uri="{FF2B5EF4-FFF2-40B4-BE49-F238E27FC236}">
+                <a16:creationId xmlns:a16="http://schemas.microsoft.com/office/drawing/2014/main" id="{EA29D00F-7A57-48EF-89EB-A708AF5C2E0B}"/>
+              </a:ext>
+            </a:extLst>
+          </p:cNvPr>
+          <p:cNvCxnSpPr>
+            <a:cxnSpLocks/>
+            <a:stCxn id="6" idx="3"/>
+            <a:endCxn id="13" idx="1"/>
+          </p:cNvCxnSpPr>
+          <p:nvPr/>
+        </p:nvCxnSpPr>
+        <p:spPr>
+          <a:xfrm flipV="1">
+            <a:off x="5114925" y="2217819"/>
+            <a:ext cx="1157293" cy="338141"/>
+          </a:xfrm>
+          <a:prstGeom prst="bentConnector3">
+            <a:avLst/>
+          </a:prstGeom>
+          <a:ln/>
+        </p:spPr>
+        <p:style>
+          <a:lnRef idx="2">
+            <a:schemeClr val="dk1"/>
+          </a:lnRef>
+          <a:fillRef idx="0">
+            <a:schemeClr val="dk1"/>
+          </a:fillRef>
+          <a:effectRef idx="1">
+            <a:schemeClr val="dk1"/>
+          </a:effectRef>
+          <a:fontRef idx="minor">
+            <a:schemeClr val="tx1"/>
+          </a:fontRef>
+        </p:style>
+      </p:cxnSp>
+      <p:cxnSp>
+        <p:nvCxnSpPr>
+          <p:cNvPr id="29" name="连接符: 肘形 28">
+            <a:extLst>
+              <a:ext uri="{FF2B5EF4-FFF2-40B4-BE49-F238E27FC236}">
+                <a16:creationId xmlns:a16="http://schemas.microsoft.com/office/drawing/2014/main" id="{197DB686-8E00-44F9-8718-2AB5CD26E7D1}"/>
+              </a:ext>
+            </a:extLst>
+          </p:cNvPr>
+          <p:cNvCxnSpPr>
+            <a:cxnSpLocks/>
+            <a:stCxn id="6" idx="3"/>
+            <a:endCxn id="11" idx="1"/>
+          </p:cNvCxnSpPr>
+          <p:nvPr/>
+        </p:nvCxnSpPr>
+        <p:spPr>
+          <a:xfrm>
+            <a:off x="5114925" y="2555960"/>
+            <a:ext cx="1157293" cy="366710"/>
+          </a:xfrm>
+          <a:prstGeom prst="bentConnector3">
+            <a:avLst/>
+          </a:prstGeom>
+          <a:ln/>
+        </p:spPr>
+        <p:style>
+          <a:lnRef idx="2">
+            <a:schemeClr val="dk1"/>
+          </a:lnRef>
+          <a:fillRef idx="0">
+            <a:schemeClr val="dk1"/>
+          </a:fillRef>
+          <a:effectRef idx="1">
+            <a:schemeClr val="dk1"/>
+          </a:effectRef>
+          <a:fontRef idx="minor">
+            <a:schemeClr val="tx1"/>
+          </a:fontRef>
+        </p:style>
+      </p:cxnSp>
+      <p:cxnSp>
+        <p:nvCxnSpPr>
+          <p:cNvPr id="31" name="连接符: 肘形 30">
+            <a:extLst>
+              <a:ext uri="{FF2B5EF4-FFF2-40B4-BE49-F238E27FC236}">
+                <a16:creationId xmlns:a16="http://schemas.microsoft.com/office/drawing/2014/main" id="{62F66C21-671A-4A0A-B6CC-7A4C4FA8D1D0}"/>
+              </a:ext>
+            </a:extLst>
+          </p:cNvPr>
+          <p:cNvCxnSpPr>
+            <a:stCxn id="7" idx="3"/>
+            <a:endCxn id="14" idx="1"/>
+          </p:cNvCxnSpPr>
+          <p:nvPr/>
+        </p:nvCxnSpPr>
+        <p:spPr>
+          <a:xfrm flipV="1">
+            <a:off x="5185169" y="3588536"/>
+            <a:ext cx="1077521" cy="333387"/>
+          </a:xfrm>
+          <a:prstGeom prst="bentConnector3">
+            <a:avLst/>
+          </a:prstGeom>
+          <a:ln/>
+        </p:spPr>
+        <p:style>
+          <a:lnRef idx="2">
+            <a:schemeClr val="dk1"/>
+          </a:lnRef>
+          <a:fillRef idx="0">
+            <a:schemeClr val="dk1"/>
+          </a:fillRef>
+          <a:effectRef idx="1">
+            <a:schemeClr val="dk1"/>
+          </a:effectRef>
+          <a:fontRef idx="minor">
+            <a:schemeClr val="tx1"/>
+          </a:fontRef>
+        </p:style>
+      </p:cxnSp>
+      <p:cxnSp>
+        <p:nvCxnSpPr>
+          <p:cNvPr id="33" name="连接符: 肘形 32">
+            <a:extLst>
+              <a:ext uri="{FF2B5EF4-FFF2-40B4-BE49-F238E27FC236}">
+                <a16:creationId xmlns:a16="http://schemas.microsoft.com/office/drawing/2014/main" id="{A69DA24C-8DBE-4529-B24B-4D1823B12B87}"/>
+              </a:ext>
+            </a:extLst>
+          </p:cNvPr>
+          <p:cNvCxnSpPr>
+            <a:stCxn id="7" idx="3"/>
+            <a:endCxn id="15" idx="1"/>
+          </p:cNvCxnSpPr>
+          <p:nvPr/>
+        </p:nvCxnSpPr>
+        <p:spPr>
+          <a:xfrm>
+            <a:off x="5185169" y="3921923"/>
+            <a:ext cx="1077521" cy="371464"/>
+          </a:xfrm>
+          <a:prstGeom prst="bentConnector3">
+            <a:avLst/>
+          </a:prstGeom>
+          <a:ln/>
+        </p:spPr>
+        <p:style>
+          <a:lnRef idx="2">
+            <a:schemeClr val="dk1"/>
+          </a:lnRef>
+          <a:fillRef idx="0">
+            <a:schemeClr val="dk1"/>
+          </a:fillRef>
+          <a:effectRef idx="1">
+            <a:schemeClr val="dk1"/>
+          </a:effectRef>
+          <a:fontRef idx="minor">
+            <a:schemeClr val="tx1"/>
+          </a:fontRef>
+        </p:style>
+      </p:cxnSp>
+      <p:cxnSp>
+        <p:nvCxnSpPr>
+          <p:cNvPr id="35" name="连接符: 肘形 34">
+            <a:extLst>
+              <a:ext uri="{FF2B5EF4-FFF2-40B4-BE49-F238E27FC236}">
+                <a16:creationId xmlns:a16="http://schemas.microsoft.com/office/drawing/2014/main" id="{A2304C17-5DB3-4A74-9A7B-168279A1D72D}"/>
+              </a:ext>
+            </a:extLst>
+          </p:cNvPr>
+          <p:cNvCxnSpPr>
+            <a:cxnSpLocks/>
+            <a:stCxn id="4" idx="3"/>
+            <a:endCxn id="5" idx="1"/>
+          </p:cNvCxnSpPr>
+          <p:nvPr/>
+        </p:nvCxnSpPr>
+        <p:spPr>
+          <a:xfrm flipV="1">
+            <a:off x="2943223" y="1003485"/>
+            <a:ext cx="925115" cy="2489815"/>
+          </a:xfrm>
+          <a:prstGeom prst="bentConnector3">
+            <a:avLst/>
+          </a:prstGeom>
+          <a:ln/>
+        </p:spPr>
+        <p:style>
+          <a:lnRef idx="2">
+            <a:schemeClr val="dk1"/>
+          </a:lnRef>
+          <a:fillRef idx="0">
+            <a:schemeClr val="dk1"/>
+          </a:fillRef>
+          <a:effectRef idx="1">
+            <a:schemeClr val="dk1"/>
+          </a:effectRef>
+          <a:fontRef idx="minor">
+            <a:schemeClr val="tx1"/>
+          </a:fontRef>
+        </p:style>
+      </p:cxnSp>
+      <p:cxnSp>
+        <p:nvCxnSpPr>
+          <p:cNvPr id="37" name="连接符: 肘形 36">
+            <a:extLst>
+              <a:ext uri="{FF2B5EF4-FFF2-40B4-BE49-F238E27FC236}">
+                <a16:creationId xmlns:a16="http://schemas.microsoft.com/office/drawing/2014/main" id="{C4FB1499-64ED-4C50-9A0A-4EA9CBA82C31}"/>
+              </a:ext>
+            </a:extLst>
+          </p:cNvPr>
+          <p:cNvCxnSpPr>
+            <a:stCxn id="4" idx="3"/>
+            <a:endCxn id="7" idx="1"/>
+          </p:cNvCxnSpPr>
+          <p:nvPr/>
+        </p:nvCxnSpPr>
+        <p:spPr>
+          <a:xfrm>
+            <a:off x="2943223" y="3493300"/>
+            <a:ext cx="925115" cy="428623"/>
+          </a:xfrm>
+          <a:prstGeom prst="bentConnector3">
+            <a:avLst/>
+          </a:prstGeom>
+          <a:ln/>
+        </p:spPr>
+        <p:style>
+          <a:lnRef idx="2">
+            <a:schemeClr val="dk1"/>
+          </a:lnRef>
+          <a:fillRef idx="0">
+            <a:schemeClr val="dk1"/>
+          </a:fillRef>
+          <a:effectRef idx="1">
+            <a:schemeClr val="dk1"/>
+          </a:effectRef>
+          <a:fontRef idx="minor">
+            <a:schemeClr val="tx1"/>
+          </a:fontRef>
+        </p:style>
+      </p:cxnSp>
+      <p:cxnSp>
+        <p:nvCxnSpPr>
+          <p:cNvPr id="39" name="连接符: 肘形 38">
+            <a:extLst>
+              <a:ext uri="{FF2B5EF4-FFF2-40B4-BE49-F238E27FC236}">
+                <a16:creationId xmlns:a16="http://schemas.microsoft.com/office/drawing/2014/main" id="{0A149843-9688-4239-8E6E-AEAA3CD3FD0F}"/>
+              </a:ext>
+            </a:extLst>
+          </p:cNvPr>
+          <p:cNvCxnSpPr>
+            <a:cxnSpLocks/>
+            <a:stCxn id="4" idx="3"/>
+            <a:endCxn id="8" idx="1"/>
+          </p:cNvCxnSpPr>
+          <p:nvPr/>
+        </p:nvCxnSpPr>
+        <p:spPr>
+          <a:xfrm>
+            <a:off x="2943223" y="3493300"/>
+            <a:ext cx="931070" cy="2326479"/>
+          </a:xfrm>
+          <a:prstGeom prst="bentConnector3">
+            <a:avLst/>
+          </a:prstGeom>
+          <a:ln/>
+        </p:spPr>
+        <p:style>
+          <a:lnRef idx="2">
+            <a:schemeClr val="dk1"/>
+          </a:lnRef>
+          <a:fillRef idx="0">
+            <a:schemeClr val="dk1"/>
+          </a:fillRef>
+          <a:effectRef idx="1">
+            <a:schemeClr val="dk1"/>
+          </a:effectRef>
+          <a:fontRef idx="minor">
+            <a:schemeClr val="tx1"/>
+          </a:fontRef>
+        </p:style>
+      </p:cxnSp>
+      <p:cxnSp>
+        <p:nvCxnSpPr>
+          <p:cNvPr id="41" name="连接符: 肘形 40">
+            <a:extLst>
+              <a:ext uri="{FF2B5EF4-FFF2-40B4-BE49-F238E27FC236}">
+                <a16:creationId xmlns:a16="http://schemas.microsoft.com/office/drawing/2014/main" id="{80B59E6F-12EC-4AA7-9AE7-B2662D994908}"/>
+              </a:ext>
+            </a:extLst>
+          </p:cNvPr>
+          <p:cNvCxnSpPr>
+            <a:cxnSpLocks/>
+            <a:stCxn id="4" idx="3"/>
+            <a:endCxn id="6" idx="1"/>
+          </p:cNvCxnSpPr>
+          <p:nvPr/>
+        </p:nvCxnSpPr>
+        <p:spPr>
+          <a:xfrm flipV="1">
+            <a:off x="2943223" y="2555960"/>
+            <a:ext cx="934644" cy="937340"/>
+          </a:xfrm>
+          <a:prstGeom prst="bentConnector3">
+            <a:avLst/>
+          </a:prstGeom>
+          <a:ln/>
+        </p:spPr>
+        <p:style>
+          <a:lnRef idx="2">
+            <a:schemeClr val="dk1"/>
+          </a:lnRef>
+          <a:fillRef idx="0">
+            <a:schemeClr val="dk1"/>
+          </a:fillRef>
+          <a:effectRef idx="1">
+            <a:schemeClr val="dk1"/>
+          </a:effectRef>
+          <a:fontRef idx="minor">
+            <a:schemeClr val="tx1"/>
+          </a:fontRef>
+        </p:style>
+      </p:cxnSp>
+      <p:sp>
+        <p:nvSpPr>
+          <p:cNvPr id="34" name="矩形 33">
+            <a:extLst>
+              <a:ext uri="{FF2B5EF4-FFF2-40B4-BE49-F238E27FC236}">
+                <a16:creationId xmlns:a16="http://schemas.microsoft.com/office/drawing/2014/main" id="{EB3A95FA-05EB-4C2E-A198-A97EA3740758}"/>
+              </a:ext>
+            </a:extLst>
+          </p:cNvPr>
+          <p:cNvSpPr/>
+          <p:nvPr/>
+        </p:nvSpPr>
+        <p:spPr>
+          <a:xfrm>
+            <a:off x="3877867" y="4555243"/>
+            <a:ext cx="1240632" cy="628643"/>
+          </a:xfrm>
+          <a:prstGeom prst="rect">
+            <a:avLst/>
+          </a:prstGeom>
+          <a:noFill/>
           <a:ln>
             <a:solidFill>
               <a:schemeClr val="tx1"/>
@@ -5962,461 +7105,69 @@
           </a:ln>
         </p:spPr>
         <p:style>
-          <a:lnRef idx="1">
-            <a:schemeClr val="accent1"/>
-          </a:lnRef>
-          <a:fillRef idx="0">
+          <a:lnRef idx="2">
+            <a:schemeClr val="accent1">
+              <a:shade val="50000"/>
+            </a:schemeClr>
+          </a:lnRef>
+          <a:fillRef idx="1">
             <a:schemeClr val="accent1"/>
           </a:fillRef>
           <a:effectRef idx="0">
             <a:schemeClr val="accent1"/>
           </a:effectRef>
           <a:fontRef idx="minor">
-            <a:schemeClr val="tx1"/>
-          </a:fontRef>
-        </p:style>
-      </p:cxnSp>
+            <a:schemeClr val="lt1"/>
+          </a:fontRef>
+        </p:style>
+        <p:txBody>
+          <a:bodyPr rtlCol="0" anchor="ctr"/>
+          <a:lstStyle/>
+          <a:p>
+            <a:pPr algn="ctr"/>
+            <a:r>
+              <a:rPr lang="zh-CN" altLang="en-US" sz="1600" dirty="0">
+                <a:solidFill>
+                  <a:schemeClr val="tx1"/>
+                </a:solidFill>
+              </a:rPr>
+              <a:t>全体公告</a:t>
+            </a:r>
+          </a:p>
+        </p:txBody>
+      </p:sp>
       <p:cxnSp>
         <p:nvCxnSpPr>
-          <p:cNvPr id="21" name="连接符: 肘形 20">
-            <a:extLst>
-              <a:ext uri="{FF2B5EF4-FFF2-40B4-BE49-F238E27FC236}">
-                <a16:creationId xmlns:a16="http://schemas.microsoft.com/office/drawing/2014/main" id="{199D7C91-5582-4CFA-8189-E37839158AEE}"/>
+          <p:cNvPr id="26" name="直接连接符 25">
+            <a:extLst>
+              <a:ext uri="{FF2B5EF4-FFF2-40B4-BE49-F238E27FC236}">
+                <a16:creationId xmlns:a16="http://schemas.microsoft.com/office/drawing/2014/main" id="{DE2E73BD-ED68-40F5-AB23-75717B6DABD9}"/>
               </a:ext>
             </a:extLst>
           </p:cNvPr>
           <p:cNvCxnSpPr>
-            <a:cxnSpLocks/>
-            <a:stCxn id="5" idx="3"/>
-            <a:endCxn id="9" idx="1"/>
+            <a:endCxn id="34" idx="1"/>
           </p:cNvCxnSpPr>
           <p:nvPr/>
         </p:nvCxnSpPr>
         <p:spPr>
-          <a:xfrm flipV="1">
-            <a:off x="5185169" y="723899"/>
-            <a:ext cx="1077522" cy="704851"/>
-          </a:xfrm>
-          <a:prstGeom prst="bentConnector3">
-            <a:avLst/>
-          </a:prstGeom>
-          <a:ln>
-            <a:solidFill>
-              <a:schemeClr val="tx1"/>
-            </a:solidFill>
-          </a:ln>
-        </p:spPr>
-        <p:style>
-          <a:lnRef idx="1">
-            <a:schemeClr val="accent1"/>
+          <a:xfrm>
+            <a:off x="3405780" y="4869564"/>
+            <a:ext cx="472087" cy="1"/>
+          </a:xfrm>
+          <a:prstGeom prst="line">
+            <a:avLst/>
+          </a:prstGeom>
+        </p:spPr>
+        <p:style>
+          <a:lnRef idx="2">
+            <a:schemeClr val="dk1"/>
           </a:lnRef>
           <a:fillRef idx="0">
-            <a:schemeClr val="accent1"/>
-          </a:fillRef>
-          <a:effectRef idx="0">
-            <a:schemeClr val="accent1"/>
-          </a:effectRef>
-          <a:fontRef idx="minor">
-            <a:schemeClr val="tx1"/>
-          </a:fontRef>
-        </p:style>
-      </p:cxnSp>
-      <p:cxnSp>
-        <p:nvCxnSpPr>
-          <p:cNvPr id="23" name="连接符: 肘形 22">
-            <a:extLst>
-              <a:ext uri="{FF2B5EF4-FFF2-40B4-BE49-F238E27FC236}">
-                <a16:creationId xmlns:a16="http://schemas.microsoft.com/office/drawing/2014/main" id="{4133778B-F7EA-4E2D-A957-D5E4BE501CCD}"/>
-              </a:ext>
-            </a:extLst>
-          </p:cNvPr>
-          <p:cNvCxnSpPr>
-            <a:cxnSpLocks/>
-            <a:stCxn id="5" idx="3"/>
-            <a:endCxn id="12" idx="1"/>
-          </p:cNvCxnSpPr>
-          <p:nvPr/>
-        </p:nvCxnSpPr>
-        <p:spPr>
-          <a:xfrm>
-            <a:off x="5185169" y="1428750"/>
-            <a:ext cx="1077521" cy="704851"/>
-          </a:xfrm>
-          <a:prstGeom prst="bentConnector3">
-            <a:avLst/>
-          </a:prstGeom>
-          <a:ln>
-            <a:solidFill>
-              <a:schemeClr val="tx1"/>
-            </a:solidFill>
-          </a:ln>
-        </p:spPr>
-        <p:style>
-          <a:lnRef idx="1">
-            <a:schemeClr val="accent1"/>
-          </a:lnRef>
-          <a:fillRef idx="0">
-            <a:schemeClr val="accent1"/>
-          </a:fillRef>
-          <a:effectRef idx="0">
-            <a:schemeClr val="accent1"/>
-          </a:effectRef>
-          <a:fontRef idx="minor">
-            <a:schemeClr val="tx1"/>
-          </a:fontRef>
-        </p:style>
-      </p:cxnSp>
-      <p:cxnSp>
-        <p:nvCxnSpPr>
-          <p:cNvPr id="27" name="连接符: 肘形 26">
-            <a:extLst>
-              <a:ext uri="{FF2B5EF4-FFF2-40B4-BE49-F238E27FC236}">
-                <a16:creationId xmlns:a16="http://schemas.microsoft.com/office/drawing/2014/main" id="{EA29D00F-7A57-48EF-89EB-A708AF5C2E0B}"/>
-              </a:ext>
-            </a:extLst>
-          </p:cNvPr>
-          <p:cNvCxnSpPr>
-            <a:cxnSpLocks/>
-            <a:stCxn id="6" idx="3"/>
-            <a:endCxn id="13" idx="1"/>
-          </p:cNvCxnSpPr>
-          <p:nvPr/>
-        </p:nvCxnSpPr>
-        <p:spPr>
-          <a:xfrm flipV="1">
-            <a:off x="5105397" y="2838452"/>
-            <a:ext cx="1157293" cy="338141"/>
-          </a:xfrm>
-          <a:prstGeom prst="bentConnector3">
-            <a:avLst/>
-          </a:prstGeom>
-          <a:ln>
-            <a:solidFill>
-              <a:schemeClr val="tx1"/>
-            </a:solidFill>
-          </a:ln>
-        </p:spPr>
-        <p:style>
-          <a:lnRef idx="1">
-            <a:schemeClr val="accent1"/>
-          </a:lnRef>
-          <a:fillRef idx="0">
-            <a:schemeClr val="accent1"/>
-          </a:fillRef>
-          <a:effectRef idx="0">
-            <a:schemeClr val="accent1"/>
-          </a:effectRef>
-          <a:fontRef idx="minor">
-            <a:schemeClr val="tx1"/>
-          </a:fontRef>
-        </p:style>
-      </p:cxnSp>
-      <p:cxnSp>
-        <p:nvCxnSpPr>
-          <p:cNvPr id="29" name="连接符: 肘形 28">
-            <a:extLst>
-              <a:ext uri="{FF2B5EF4-FFF2-40B4-BE49-F238E27FC236}">
-                <a16:creationId xmlns:a16="http://schemas.microsoft.com/office/drawing/2014/main" id="{197DB686-8E00-44F9-8718-2AB5CD26E7D1}"/>
-              </a:ext>
-            </a:extLst>
-          </p:cNvPr>
-          <p:cNvCxnSpPr>
-            <a:cxnSpLocks/>
-            <a:stCxn id="6" idx="3"/>
-            <a:endCxn id="11" idx="1"/>
-          </p:cNvCxnSpPr>
-          <p:nvPr/>
-        </p:nvCxnSpPr>
-        <p:spPr>
-          <a:xfrm>
-            <a:off x="5105397" y="3176593"/>
-            <a:ext cx="1157293" cy="366710"/>
-          </a:xfrm>
-          <a:prstGeom prst="bentConnector3">
-            <a:avLst/>
-          </a:prstGeom>
-          <a:ln>
-            <a:solidFill>
-              <a:schemeClr val="tx1"/>
-            </a:solidFill>
-          </a:ln>
-        </p:spPr>
-        <p:style>
-          <a:lnRef idx="1">
-            <a:schemeClr val="accent1"/>
-          </a:lnRef>
-          <a:fillRef idx="0">
-            <a:schemeClr val="accent1"/>
-          </a:fillRef>
-          <a:effectRef idx="0">
-            <a:schemeClr val="accent1"/>
-          </a:effectRef>
-          <a:fontRef idx="minor">
-            <a:schemeClr val="tx1"/>
-          </a:fontRef>
-        </p:style>
-      </p:cxnSp>
-      <p:cxnSp>
-        <p:nvCxnSpPr>
-          <p:cNvPr id="31" name="连接符: 肘形 30">
-            <a:extLst>
-              <a:ext uri="{FF2B5EF4-FFF2-40B4-BE49-F238E27FC236}">
-                <a16:creationId xmlns:a16="http://schemas.microsoft.com/office/drawing/2014/main" id="{62F66C21-671A-4A0A-B6CC-7A4C4FA8D1D0}"/>
-              </a:ext>
-            </a:extLst>
-          </p:cNvPr>
-          <p:cNvCxnSpPr>
-            <a:stCxn id="7" idx="3"/>
-            <a:endCxn id="14" idx="1"/>
-          </p:cNvCxnSpPr>
-          <p:nvPr/>
-        </p:nvCxnSpPr>
-        <p:spPr>
-          <a:xfrm flipV="1">
-            <a:off x="5185169" y="4248154"/>
-            <a:ext cx="1077521" cy="333387"/>
-          </a:xfrm>
-          <a:prstGeom prst="bentConnector3">
-            <a:avLst/>
-          </a:prstGeom>
-          <a:ln>
-            <a:solidFill>
-              <a:schemeClr val="tx1"/>
-            </a:solidFill>
-          </a:ln>
-        </p:spPr>
-        <p:style>
-          <a:lnRef idx="1">
-            <a:schemeClr val="accent1"/>
-          </a:lnRef>
-          <a:fillRef idx="0">
-            <a:schemeClr val="accent1"/>
-          </a:fillRef>
-          <a:effectRef idx="0">
-            <a:schemeClr val="accent1"/>
-          </a:effectRef>
-          <a:fontRef idx="minor">
-            <a:schemeClr val="tx1"/>
-          </a:fontRef>
-        </p:style>
-      </p:cxnSp>
-      <p:cxnSp>
-        <p:nvCxnSpPr>
-          <p:cNvPr id="33" name="连接符: 肘形 32">
-            <a:extLst>
-              <a:ext uri="{FF2B5EF4-FFF2-40B4-BE49-F238E27FC236}">
-                <a16:creationId xmlns:a16="http://schemas.microsoft.com/office/drawing/2014/main" id="{A69DA24C-8DBE-4529-B24B-4D1823B12B87}"/>
-              </a:ext>
-            </a:extLst>
-          </p:cNvPr>
-          <p:cNvCxnSpPr>
-            <a:stCxn id="7" idx="3"/>
-            <a:endCxn id="15" idx="1"/>
-          </p:cNvCxnSpPr>
-          <p:nvPr/>
-        </p:nvCxnSpPr>
-        <p:spPr>
-          <a:xfrm>
-            <a:off x="5185169" y="4581541"/>
-            <a:ext cx="1077521" cy="371464"/>
-          </a:xfrm>
-          <a:prstGeom prst="bentConnector3">
-            <a:avLst/>
-          </a:prstGeom>
-          <a:ln>
-            <a:solidFill>
-              <a:schemeClr val="tx1"/>
-            </a:solidFill>
-          </a:ln>
-        </p:spPr>
-        <p:style>
-          <a:lnRef idx="1">
-            <a:schemeClr val="accent1"/>
-          </a:lnRef>
-          <a:fillRef idx="0">
-            <a:schemeClr val="accent1"/>
-          </a:fillRef>
-          <a:effectRef idx="0">
-            <a:schemeClr val="accent1"/>
-          </a:effectRef>
-          <a:fontRef idx="minor">
-            <a:schemeClr val="tx1"/>
-          </a:fontRef>
-        </p:style>
-      </p:cxnSp>
-      <p:cxnSp>
-        <p:nvCxnSpPr>
-          <p:cNvPr id="35" name="连接符: 肘形 34">
-            <a:extLst>
-              <a:ext uri="{FF2B5EF4-FFF2-40B4-BE49-F238E27FC236}">
-                <a16:creationId xmlns:a16="http://schemas.microsoft.com/office/drawing/2014/main" id="{A2304C17-5DB3-4A74-9A7B-168279A1D72D}"/>
-              </a:ext>
-            </a:extLst>
-          </p:cNvPr>
-          <p:cNvCxnSpPr>
-            <a:cxnSpLocks/>
-            <a:stCxn id="4" idx="3"/>
-            <a:endCxn id="5" idx="1"/>
-          </p:cNvCxnSpPr>
-          <p:nvPr/>
-        </p:nvCxnSpPr>
-        <p:spPr>
-          <a:xfrm flipV="1">
-            <a:off x="2943223" y="1428750"/>
-            <a:ext cx="925115" cy="2064550"/>
-          </a:xfrm>
-          <a:prstGeom prst="bentConnector3">
-            <a:avLst/>
-          </a:prstGeom>
-          <a:ln>
-            <a:solidFill>
-              <a:schemeClr val="tx1"/>
-            </a:solidFill>
-          </a:ln>
-        </p:spPr>
-        <p:style>
-          <a:lnRef idx="1">
-            <a:schemeClr val="accent1"/>
-          </a:lnRef>
-          <a:fillRef idx="0">
-            <a:schemeClr val="accent1"/>
-          </a:fillRef>
-          <a:effectRef idx="0">
-            <a:schemeClr val="accent1"/>
-          </a:effectRef>
-          <a:fontRef idx="minor">
-            <a:schemeClr val="tx1"/>
-          </a:fontRef>
-        </p:style>
-      </p:cxnSp>
-      <p:cxnSp>
-        <p:nvCxnSpPr>
-          <p:cNvPr id="37" name="连接符: 肘形 36">
-            <a:extLst>
-              <a:ext uri="{FF2B5EF4-FFF2-40B4-BE49-F238E27FC236}">
-                <a16:creationId xmlns:a16="http://schemas.microsoft.com/office/drawing/2014/main" id="{C4FB1499-64ED-4C50-9A0A-4EA9CBA82C31}"/>
-              </a:ext>
-            </a:extLst>
-          </p:cNvPr>
-          <p:cNvCxnSpPr>
-            <a:stCxn id="4" idx="3"/>
-            <a:endCxn id="7" idx="1"/>
-          </p:cNvCxnSpPr>
-          <p:nvPr/>
-        </p:nvCxnSpPr>
-        <p:spPr>
-          <a:xfrm>
-            <a:off x="2943223" y="3493300"/>
-            <a:ext cx="925115" cy="1088241"/>
-          </a:xfrm>
-          <a:prstGeom prst="bentConnector3">
-            <a:avLst/>
-          </a:prstGeom>
-          <a:ln>
-            <a:solidFill>
-              <a:schemeClr val="tx1"/>
-            </a:solidFill>
-          </a:ln>
-        </p:spPr>
-        <p:style>
-          <a:lnRef idx="1">
-            <a:schemeClr val="accent1"/>
-          </a:lnRef>
-          <a:fillRef idx="0">
-            <a:schemeClr val="accent1"/>
-          </a:fillRef>
-          <a:effectRef idx="0">
-            <a:schemeClr val="accent1"/>
-          </a:effectRef>
-          <a:fontRef idx="minor">
-            <a:schemeClr val="tx1"/>
-          </a:fontRef>
-        </p:style>
-      </p:cxnSp>
-      <p:cxnSp>
-        <p:nvCxnSpPr>
-          <p:cNvPr id="39" name="连接符: 肘形 38">
-            <a:extLst>
-              <a:ext uri="{FF2B5EF4-FFF2-40B4-BE49-F238E27FC236}">
-                <a16:creationId xmlns:a16="http://schemas.microsoft.com/office/drawing/2014/main" id="{0A149843-9688-4239-8E6E-AEAA3CD3FD0F}"/>
-              </a:ext>
-            </a:extLst>
-          </p:cNvPr>
-          <p:cNvCxnSpPr>
-            <a:cxnSpLocks/>
-            <a:stCxn id="4" idx="3"/>
-            <a:endCxn id="8" idx="1"/>
-          </p:cNvCxnSpPr>
-          <p:nvPr/>
-        </p:nvCxnSpPr>
-        <p:spPr>
-          <a:xfrm>
-            <a:off x="2943223" y="3493300"/>
-            <a:ext cx="931070" cy="2326479"/>
-          </a:xfrm>
-          <a:prstGeom prst="bentConnector3">
-            <a:avLst/>
-          </a:prstGeom>
-          <a:ln>
-            <a:solidFill>
-              <a:schemeClr val="tx1"/>
-            </a:solidFill>
-          </a:ln>
-        </p:spPr>
-        <p:style>
-          <a:lnRef idx="1">
-            <a:schemeClr val="accent1"/>
-          </a:lnRef>
-          <a:fillRef idx="0">
-            <a:schemeClr val="accent1"/>
-          </a:fillRef>
-          <a:effectRef idx="0">
-            <a:schemeClr val="accent1"/>
-          </a:effectRef>
-          <a:fontRef idx="minor">
-            <a:schemeClr val="tx1"/>
-          </a:fontRef>
-        </p:style>
-      </p:cxnSp>
-      <p:cxnSp>
-        <p:nvCxnSpPr>
-          <p:cNvPr id="41" name="连接符: 肘形 40">
-            <a:extLst>
-              <a:ext uri="{FF2B5EF4-FFF2-40B4-BE49-F238E27FC236}">
-                <a16:creationId xmlns:a16="http://schemas.microsoft.com/office/drawing/2014/main" id="{80B59E6F-12EC-4AA7-9AE7-B2662D994908}"/>
-              </a:ext>
-            </a:extLst>
-          </p:cNvPr>
-          <p:cNvCxnSpPr>
-            <a:cxnSpLocks/>
-            <a:stCxn id="4" idx="3"/>
-            <a:endCxn id="6" idx="1"/>
-          </p:cNvCxnSpPr>
-          <p:nvPr/>
-        </p:nvCxnSpPr>
-        <p:spPr>
-          <a:xfrm flipV="1">
-            <a:off x="2943223" y="3176593"/>
-            <a:ext cx="925116" cy="316707"/>
-          </a:xfrm>
-          <a:prstGeom prst="bentConnector3">
-            <a:avLst/>
-          </a:prstGeom>
-          <a:ln>
-            <a:solidFill>
-              <a:schemeClr val="tx1"/>
-            </a:solidFill>
-          </a:ln>
-        </p:spPr>
-        <p:style>
-          <a:lnRef idx="1">
-            <a:schemeClr val="accent1"/>
-          </a:lnRef>
-          <a:fillRef idx="0">
-            <a:schemeClr val="accent1"/>
-          </a:fillRef>
-          <a:effectRef idx="0">
-            <a:schemeClr val="accent1"/>
+            <a:schemeClr val="dk1"/>
+          </a:fillRef>
+          <a:effectRef idx="1">
+            <a:schemeClr val="dk1"/>
           </a:effectRef>
           <a:fontRef idx="minor">
             <a:schemeClr val="tx1"/>
@@ -6474,10 +7225,7 @@
             <a:avLst/>
           </a:prstGeom>
           <a:solidFill>
-            <a:schemeClr val="accent4">
-              <a:lumMod val="20000"/>
-              <a:lumOff val="80000"/>
-            </a:schemeClr>
+            <a:srgbClr val="FFFFFF"/>
           </a:solidFill>
           <a:ln>
             <a:solidFill>
@@ -6531,97 +7279,8 @@
         </p:nvSpPr>
         <p:spPr>
           <a:xfrm>
-            <a:off x="2667922" y="908311"/>
-            <a:ext cx="2270000" cy="5422192"/>
-          </a:xfrm>
-          <a:prstGeom prst="roundRect">
-            <a:avLst/>
-          </a:prstGeom>
-          <a:solidFill>
-            <a:srgbClr val="D8FFFF"/>
-          </a:solidFill>
-          <a:ln>
-            <a:solidFill>
-              <a:schemeClr val="tx1"/>
-            </a:solidFill>
-          </a:ln>
-        </p:spPr>
-        <p:style>
-          <a:lnRef idx="2">
-            <a:schemeClr val="accent1">
-              <a:shade val="50000"/>
-            </a:schemeClr>
-          </a:lnRef>
-          <a:fillRef idx="1">
-            <a:schemeClr val="accent1"/>
-          </a:fillRef>
-          <a:effectRef idx="0">
-            <a:schemeClr val="accent1"/>
-          </a:effectRef>
-          <a:fontRef idx="minor">
-            <a:schemeClr val="lt1"/>
-          </a:fontRef>
-        </p:style>
-        <p:txBody>
-          <a:bodyPr rtlCol="0" anchor="ctr"/>
-          <a:lstStyle/>
-          <a:p>
-            <a:pPr algn="ctr"/>
-            <a:endParaRPr lang="zh-CN" altLang="en-US" dirty="0"/>
-          </a:p>
-        </p:txBody>
-      </p:sp>
-      <p:sp>
-        <p:nvSpPr>
-          <p:cNvPr id="7" name="文本框 6">
-            <a:extLst>
-              <a:ext uri="{FF2B5EF4-FFF2-40B4-BE49-F238E27FC236}">
-                <a16:creationId xmlns:a16="http://schemas.microsoft.com/office/drawing/2014/main" id="{8895394A-4F9F-466A-A02C-9C1547007BF7}"/>
-              </a:ext>
-            </a:extLst>
-          </p:cNvPr>
-          <p:cNvSpPr txBox="1"/>
-          <p:nvPr/>
-        </p:nvSpPr>
-        <p:spPr>
-          <a:xfrm>
-            <a:off x="2819854" y="1152713"/>
-            <a:ext cx="838200" cy="369332"/>
-          </a:xfrm>
-          <a:prstGeom prst="rect">
-            <a:avLst/>
-          </a:prstGeom>
-          <a:noFill/>
-        </p:spPr>
-        <p:txBody>
-          <a:bodyPr wrap="square" rtlCol="0">
-            <a:spAutoFit/>
-          </a:bodyPr>
-          <a:lstStyle/>
-          <a:p>
-            <a:r>
-              <a:rPr lang="zh-CN" altLang="en-US" dirty="0"/>
-              <a:t>用户</a:t>
-            </a:r>
-          </a:p>
-        </p:txBody>
-      </p:sp>
-      <p:sp>
-        <p:nvSpPr>
-          <p:cNvPr id="8" name="矩形: 圆角 7">
-            <a:extLst>
-              <a:ext uri="{FF2B5EF4-FFF2-40B4-BE49-F238E27FC236}">
-                <a16:creationId xmlns:a16="http://schemas.microsoft.com/office/drawing/2014/main" id="{EFB34386-EAAB-4675-8AA4-56760FCE2F62}"/>
-              </a:ext>
-            </a:extLst>
-          </p:cNvPr>
-          <p:cNvSpPr/>
-          <p:nvPr/>
-        </p:nvSpPr>
-        <p:spPr>
-          <a:xfrm>
-            <a:off x="3565778" y="3402933"/>
-            <a:ext cx="962025" cy="628697"/>
+            <a:off x="2615230" y="1280237"/>
+            <a:ext cx="2069663" cy="4667474"/>
           </a:xfrm>
           <a:prstGeom prst="roundRect">
             <a:avLst/>
@@ -6656,6 +7315,95 @@
           <a:lstStyle/>
           <a:p>
             <a:pPr algn="ctr"/>
+            <a:endParaRPr lang="zh-CN" altLang="en-US" dirty="0"/>
+          </a:p>
+        </p:txBody>
+      </p:sp>
+      <p:sp>
+        <p:nvSpPr>
+          <p:cNvPr id="7" name="文本框 6">
+            <a:extLst>
+              <a:ext uri="{FF2B5EF4-FFF2-40B4-BE49-F238E27FC236}">
+                <a16:creationId xmlns:a16="http://schemas.microsoft.com/office/drawing/2014/main" id="{8895394A-4F9F-466A-A02C-9C1547007BF7}"/>
+              </a:ext>
+            </a:extLst>
+          </p:cNvPr>
+          <p:cNvSpPr txBox="1"/>
+          <p:nvPr/>
+        </p:nvSpPr>
+        <p:spPr>
+          <a:xfrm>
+            <a:off x="2736764" y="1391611"/>
+            <a:ext cx="838200" cy="369332"/>
+          </a:xfrm>
+          <a:prstGeom prst="rect">
+            <a:avLst/>
+          </a:prstGeom>
+          <a:noFill/>
+        </p:spPr>
+        <p:txBody>
+          <a:bodyPr wrap="square" rtlCol="0">
+            <a:spAutoFit/>
+          </a:bodyPr>
+          <a:lstStyle/>
+          <a:p>
+            <a:r>
+              <a:rPr lang="zh-CN" altLang="en-US" dirty="0"/>
+              <a:t>用户</a:t>
+            </a:r>
+          </a:p>
+        </p:txBody>
+      </p:sp>
+      <p:sp>
+        <p:nvSpPr>
+          <p:cNvPr id="8" name="矩形: 圆角 7">
+            <a:extLst>
+              <a:ext uri="{FF2B5EF4-FFF2-40B4-BE49-F238E27FC236}">
+                <a16:creationId xmlns:a16="http://schemas.microsoft.com/office/drawing/2014/main" id="{EFB34386-EAAB-4675-8AA4-56760FCE2F62}"/>
+              </a:ext>
+            </a:extLst>
+          </p:cNvPr>
+          <p:cNvSpPr/>
+          <p:nvPr/>
+        </p:nvSpPr>
+        <p:spPr>
+          <a:xfrm>
+            <a:off x="3565778" y="3402933"/>
+            <a:ext cx="962025" cy="628697"/>
+          </a:xfrm>
+          <a:prstGeom prst="roundRect">
+            <a:avLst/>
+          </a:prstGeom>
+          <a:solidFill>
+            <a:schemeClr val="bg1"/>
+          </a:solidFill>
+          <a:ln>
+            <a:solidFill>
+              <a:schemeClr val="tx1"/>
+            </a:solidFill>
+          </a:ln>
+        </p:spPr>
+        <p:style>
+          <a:lnRef idx="2">
+            <a:schemeClr val="accent1">
+              <a:shade val="50000"/>
+            </a:schemeClr>
+          </a:lnRef>
+          <a:fillRef idx="1">
+            <a:schemeClr val="accent1"/>
+          </a:fillRef>
+          <a:effectRef idx="0">
+            <a:schemeClr val="accent1"/>
+          </a:effectRef>
+          <a:fontRef idx="minor">
+            <a:schemeClr val="lt1"/>
+          </a:fontRef>
+        </p:style>
+        <p:txBody>
+          <a:bodyPr rtlCol="0" anchor="ctr"/>
+          <a:lstStyle/>
+          <a:p>
+            <a:pPr algn="ctr"/>
             <a:r>
               <a:rPr lang="zh-CN" altLang="en-US" dirty="0">
                 <a:solidFill>
@@ -6809,8 +7557,95 @@
           <a:prstGeom prst="roundRect">
             <a:avLst/>
           </a:prstGeom>
+          <a:noFill/>
+          <a:ln>
+            <a:solidFill>
+              <a:schemeClr val="tx1"/>
+            </a:solidFill>
+          </a:ln>
+        </p:spPr>
+        <p:style>
+          <a:lnRef idx="2">
+            <a:schemeClr val="accent1">
+              <a:shade val="50000"/>
+            </a:schemeClr>
+          </a:lnRef>
+          <a:fillRef idx="1">
+            <a:schemeClr val="accent1"/>
+          </a:fillRef>
+          <a:effectRef idx="0">
+            <a:schemeClr val="accent1"/>
+          </a:effectRef>
+          <a:fontRef idx="minor">
+            <a:schemeClr val="lt1"/>
+          </a:fontRef>
+        </p:style>
+        <p:txBody>
+          <a:bodyPr rtlCol="0" anchor="ctr"/>
+          <a:lstStyle/>
+          <a:p>
+            <a:pPr algn="ctr"/>
+            <a:endParaRPr lang="zh-CN" altLang="en-US"/>
+          </a:p>
+        </p:txBody>
+      </p:sp>
+      <p:sp>
+        <p:nvSpPr>
+          <p:cNvPr id="13" name="文本框 12">
+            <a:extLst>
+              <a:ext uri="{FF2B5EF4-FFF2-40B4-BE49-F238E27FC236}">
+                <a16:creationId xmlns:a16="http://schemas.microsoft.com/office/drawing/2014/main" id="{F468254B-5C3E-43A5-9416-1C68976AAD16}"/>
+              </a:ext>
+            </a:extLst>
+          </p:cNvPr>
+          <p:cNvSpPr txBox="1"/>
+          <p:nvPr/>
+        </p:nvSpPr>
+        <p:spPr>
+          <a:xfrm>
+            <a:off x="7820553" y="3554393"/>
+            <a:ext cx="1409699" cy="369332"/>
+          </a:xfrm>
+          <a:prstGeom prst="rect">
+            <a:avLst/>
+          </a:prstGeom>
+          <a:noFill/>
+        </p:spPr>
+        <p:txBody>
+          <a:bodyPr wrap="square" rtlCol="0">
+            <a:spAutoFit/>
+          </a:bodyPr>
+          <a:lstStyle/>
+          <a:p>
+            <a:r>
+              <a:rPr lang="zh-CN" altLang="en-US" dirty="0"/>
+              <a:t>项目</a:t>
+            </a:r>
+          </a:p>
+        </p:txBody>
+      </p:sp>
+      <p:sp>
+        <p:nvSpPr>
+          <p:cNvPr id="14" name="流程图: 决策 13">
+            <a:extLst>
+              <a:ext uri="{FF2B5EF4-FFF2-40B4-BE49-F238E27FC236}">
+                <a16:creationId xmlns:a16="http://schemas.microsoft.com/office/drawing/2014/main" id="{942B591C-78F0-4484-8459-1F8FF2F6FCCA}"/>
+              </a:ext>
+            </a:extLst>
+          </p:cNvPr>
+          <p:cNvSpPr/>
+          <p:nvPr/>
+        </p:nvSpPr>
+        <p:spPr>
+          <a:xfrm>
+            <a:off x="6040607" y="1280237"/>
+            <a:ext cx="628650" cy="788312"/>
+          </a:xfrm>
+          <a:prstGeom prst="flowChartDecision">
+            <a:avLst/>
+          </a:prstGeom>
           <a:solidFill>
-            <a:srgbClr val="D8FFFF"/>
+            <a:schemeClr val="bg1"/>
           </a:solidFill>
           <a:ln>
             <a:solidFill>
@@ -6839,16 +7674,75 @@
           <a:lstStyle/>
           <a:p>
             <a:pPr algn="ctr"/>
-            <a:endParaRPr lang="zh-CN" altLang="en-US"/>
-          </a:p>
-        </p:txBody>
-      </p:sp>
-      <p:sp>
-        <p:nvSpPr>
-          <p:cNvPr id="13" name="文本框 12">
-            <a:extLst>
-              <a:ext uri="{FF2B5EF4-FFF2-40B4-BE49-F238E27FC236}">
-                <a16:creationId xmlns:a16="http://schemas.microsoft.com/office/drawing/2014/main" id="{F468254B-5C3E-43A5-9416-1C68976AAD16}"/>
+            <a:r>
+              <a:rPr lang="zh-CN" altLang="en-US" sz="1200" dirty="0">
+                <a:solidFill>
+                  <a:schemeClr val="tx1"/>
+                </a:solidFill>
+              </a:rPr>
+              <a:t>打印</a:t>
+            </a:r>
+          </a:p>
+        </p:txBody>
+      </p:sp>
+      <p:sp>
+        <p:nvSpPr>
+          <p:cNvPr id="15" name="矩形: 圆角 14">
+            <a:extLst>
+              <a:ext uri="{FF2B5EF4-FFF2-40B4-BE49-F238E27FC236}">
+                <a16:creationId xmlns:a16="http://schemas.microsoft.com/office/drawing/2014/main" id="{80E2C7DF-096D-4402-9B94-FE71CAC5CD77}"/>
+              </a:ext>
+            </a:extLst>
+          </p:cNvPr>
+          <p:cNvSpPr/>
+          <p:nvPr/>
+        </p:nvSpPr>
+        <p:spPr>
+          <a:xfrm>
+            <a:off x="8050916" y="1217193"/>
+            <a:ext cx="914400" cy="914400"/>
+          </a:xfrm>
+          <a:prstGeom prst="roundRect">
+            <a:avLst/>
+          </a:prstGeom>
+          <a:noFill/>
+          <a:ln>
+            <a:solidFill>
+              <a:schemeClr val="tx1"/>
+            </a:solidFill>
+          </a:ln>
+        </p:spPr>
+        <p:style>
+          <a:lnRef idx="2">
+            <a:schemeClr val="accent1">
+              <a:shade val="50000"/>
+            </a:schemeClr>
+          </a:lnRef>
+          <a:fillRef idx="1">
+            <a:schemeClr val="accent1"/>
+          </a:fillRef>
+          <a:effectRef idx="0">
+            <a:schemeClr val="accent1"/>
+          </a:effectRef>
+          <a:fontRef idx="minor">
+            <a:schemeClr val="lt1"/>
+          </a:fontRef>
+        </p:style>
+        <p:txBody>
+          <a:bodyPr rtlCol="0" anchor="ctr"/>
+          <a:lstStyle/>
+          <a:p>
+            <a:pPr algn="ctr"/>
+            <a:endParaRPr lang="zh-CN" altLang="en-US" dirty="0"/>
+          </a:p>
+        </p:txBody>
+      </p:sp>
+      <p:sp>
+        <p:nvSpPr>
+          <p:cNvPr id="16" name="文本框 15">
+            <a:extLst>
+              <a:ext uri="{FF2B5EF4-FFF2-40B4-BE49-F238E27FC236}">
+                <a16:creationId xmlns:a16="http://schemas.microsoft.com/office/drawing/2014/main" id="{4AEEE71C-2F13-49E2-93B0-7DA3105AF6A2}"/>
               </a:ext>
             </a:extLst>
           </p:cNvPr>
@@ -6857,8 +7751,8 @@
         </p:nvSpPr>
         <p:spPr>
           <a:xfrm>
-            <a:off x="7820553" y="3554393"/>
-            <a:ext cx="1409699" cy="369332"/>
+            <a:off x="8050916" y="1244211"/>
+            <a:ext cx="771523" cy="369332"/>
           </a:xfrm>
           <a:prstGeom prst="rect">
             <a:avLst/>
@@ -6873,17 +7767,177 @@
           <a:p>
             <a:r>
               <a:rPr lang="zh-CN" altLang="en-US" dirty="0"/>
-              <a:t>项目</a:t>
-            </a:r>
-          </a:p>
-        </p:txBody>
-      </p:sp>
-      <p:sp>
-        <p:nvSpPr>
-          <p:cNvPr id="14" name="流程图: 决策 13">
-            <a:extLst>
-              <a:ext uri="{FF2B5EF4-FFF2-40B4-BE49-F238E27FC236}">
-                <a16:creationId xmlns:a16="http://schemas.microsoft.com/office/drawing/2014/main" id="{942B591C-78F0-4484-8459-1F8FF2F6FCCA}"/>
+              <a:t>报表</a:t>
+            </a:r>
+          </a:p>
+        </p:txBody>
+      </p:sp>
+      <p:cxnSp>
+        <p:nvCxnSpPr>
+          <p:cNvPr id="18" name="直接连接符 17">
+            <a:extLst>
+              <a:ext uri="{FF2B5EF4-FFF2-40B4-BE49-F238E27FC236}">
+                <a16:creationId xmlns:a16="http://schemas.microsoft.com/office/drawing/2014/main" id="{3A285217-E3A3-43B0-81AB-EF29CEED1841}"/>
+              </a:ext>
+            </a:extLst>
+          </p:cNvPr>
+          <p:cNvCxnSpPr>
+            <a:cxnSpLocks/>
+            <a:stCxn id="8" idx="3"/>
+            <a:endCxn id="4" idx="1"/>
+          </p:cNvCxnSpPr>
+          <p:nvPr/>
+        </p:nvCxnSpPr>
+        <p:spPr>
+          <a:xfrm>
+            <a:off x="4527803" y="3717282"/>
+            <a:ext cx="1558046" cy="10889"/>
+          </a:xfrm>
+          <a:prstGeom prst="line">
+            <a:avLst/>
+          </a:prstGeom>
+          <a:ln w="12700">
+            <a:solidFill>
+              <a:schemeClr val="tx1"/>
+            </a:solidFill>
+          </a:ln>
+        </p:spPr>
+        <p:style>
+          <a:lnRef idx="1">
+            <a:schemeClr val="accent1"/>
+          </a:lnRef>
+          <a:fillRef idx="0">
+            <a:schemeClr val="accent1"/>
+          </a:fillRef>
+          <a:effectRef idx="0">
+            <a:schemeClr val="accent1"/>
+          </a:effectRef>
+          <a:fontRef idx="minor">
+            <a:schemeClr val="tx1"/>
+          </a:fontRef>
+        </p:style>
+      </p:cxnSp>
+      <p:cxnSp>
+        <p:nvCxnSpPr>
+          <p:cNvPr id="22" name="直接连接符 21">
+            <a:extLst>
+              <a:ext uri="{FF2B5EF4-FFF2-40B4-BE49-F238E27FC236}">
+                <a16:creationId xmlns:a16="http://schemas.microsoft.com/office/drawing/2014/main" id="{B93A6A93-5A3F-42D3-BF7E-EDADF3AA4B8C}"/>
+              </a:ext>
+            </a:extLst>
+          </p:cNvPr>
+          <p:cNvCxnSpPr>
+            <a:cxnSpLocks/>
+          </p:cNvCxnSpPr>
+          <p:nvPr/>
+        </p:nvCxnSpPr>
+        <p:spPr>
+          <a:xfrm flipV="1">
+            <a:off x="6655750" y="3717282"/>
+            <a:ext cx="1177312" cy="10889"/>
+          </a:xfrm>
+          <a:prstGeom prst="line">
+            <a:avLst/>
+          </a:prstGeom>
+          <a:ln w="19050">
+            <a:solidFill>
+              <a:schemeClr val="tx1"/>
+            </a:solidFill>
+          </a:ln>
+        </p:spPr>
+        <p:style>
+          <a:lnRef idx="1">
+            <a:schemeClr val="accent1"/>
+          </a:lnRef>
+          <a:fillRef idx="0">
+            <a:schemeClr val="accent1"/>
+          </a:fillRef>
+          <a:effectRef idx="0">
+            <a:schemeClr val="accent1"/>
+          </a:effectRef>
+          <a:fontRef idx="minor">
+            <a:schemeClr val="tx1"/>
+          </a:fontRef>
+        </p:style>
+      </p:cxnSp>
+      <p:sp>
+        <p:nvSpPr>
+          <p:cNvPr id="26" name="文本框 25">
+            <a:extLst>
+              <a:ext uri="{FF2B5EF4-FFF2-40B4-BE49-F238E27FC236}">
+                <a16:creationId xmlns:a16="http://schemas.microsoft.com/office/drawing/2014/main" id="{094DF7DC-9296-478C-9C2E-C0450AF0A40F}"/>
+              </a:ext>
+            </a:extLst>
+          </p:cNvPr>
+          <p:cNvSpPr txBox="1"/>
+          <p:nvPr/>
+        </p:nvSpPr>
+        <p:spPr>
+          <a:xfrm>
+            <a:off x="5282586" y="3455565"/>
+            <a:ext cx="233362" cy="338554"/>
+          </a:xfrm>
+          <a:prstGeom prst="rect">
+            <a:avLst/>
+          </a:prstGeom>
+          <a:noFill/>
+        </p:spPr>
+        <p:txBody>
+          <a:bodyPr wrap="square" rtlCol="0">
+            <a:spAutoFit/>
+          </a:bodyPr>
+          <a:lstStyle/>
+          <a:p>
+            <a:r>
+              <a:rPr lang="en-US" altLang="zh-CN" sz="1600" dirty="0"/>
+              <a:t>N</a:t>
+            </a:r>
+            <a:endParaRPr lang="zh-CN" altLang="en-US" sz="1600" dirty="0"/>
+          </a:p>
+        </p:txBody>
+      </p:sp>
+      <p:sp>
+        <p:nvSpPr>
+          <p:cNvPr id="29" name="文本框 28">
+            <a:extLst>
+              <a:ext uri="{FF2B5EF4-FFF2-40B4-BE49-F238E27FC236}">
+                <a16:creationId xmlns:a16="http://schemas.microsoft.com/office/drawing/2014/main" id="{A05937FD-4CE5-4603-8D18-148CB2AD709D}"/>
+              </a:ext>
+            </a:extLst>
+          </p:cNvPr>
+          <p:cNvSpPr txBox="1"/>
+          <p:nvPr/>
+        </p:nvSpPr>
+        <p:spPr>
+          <a:xfrm>
+            <a:off x="7134511" y="3450130"/>
+            <a:ext cx="298450" cy="338554"/>
+          </a:xfrm>
+          <a:prstGeom prst="rect">
+            <a:avLst/>
+          </a:prstGeom>
+          <a:noFill/>
+        </p:spPr>
+        <p:txBody>
+          <a:bodyPr wrap="square" rtlCol="0">
+            <a:spAutoFit/>
+          </a:bodyPr>
+          <a:lstStyle/>
+          <a:p>
+            <a:r>
+              <a:rPr lang="en-US" altLang="zh-CN" sz="1600" dirty="0"/>
+              <a:t>N</a:t>
+            </a:r>
+            <a:endParaRPr lang="zh-CN" altLang="en-US" sz="1600" dirty="0"/>
+          </a:p>
+        </p:txBody>
+      </p:sp>
+      <p:sp>
+        <p:nvSpPr>
+          <p:cNvPr id="30" name="流程图: 决策 29">
+            <a:extLst>
+              <a:ext uri="{FF2B5EF4-FFF2-40B4-BE49-F238E27FC236}">
+                <a16:creationId xmlns:a16="http://schemas.microsoft.com/office/drawing/2014/main" id="{34B383C7-EF92-470B-AB8D-565335921C57}"/>
               </a:ext>
             </a:extLst>
           </p:cNvPr>
@@ -6892,17 +7946,455 @@
         </p:nvSpPr>
         <p:spPr>
           <a:xfrm>
-            <a:off x="6040607" y="1280237"/>
-            <a:ext cx="628650" cy="788312"/>
+            <a:off x="6085849" y="4172715"/>
+            <a:ext cx="583408" cy="742951"/>
           </a:xfrm>
           <a:prstGeom prst="flowChartDecision">
             <a:avLst/>
           </a:prstGeom>
+          <a:noFill/>
+          <a:ln>
+            <a:solidFill>
+              <a:schemeClr val="tx1"/>
+            </a:solidFill>
+          </a:ln>
+        </p:spPr>
+        <p:style>
+          <a:lnRef idx="2">
+            <a:schemeClr val="accent1">
+              <a:shade val="50000"/>
+            </a:schemeClr>
+          </a:lnRef>
+          <a:fillRef idx="1">
+            <a:schemeClr val="accent1"/>
+          </a:fillRef>
+          <a:effectRef idx="0">
+            <a:schemeClr val="accent1"/>
+          </a:effectRef>
+          <a:fontRef idx="minor">
+            <a:schemeClr val="lt1"/>
+          </a:fontRef>
+        </p:style>
+        <p:txBody>
+          <a:bodyPr rtlCol="0" anchor="ctr"/>
+          <a:lstStyle/>
+          <a:p>
+            <a:pPr algn="ctr"/>
+            <a:r>
+              <a:rPr lang="zh-CN" altLang="en-US" sz="1200" dirty="0">
+                <a:solidFill>
+                  <a:schemeClr val="tx1"/>
+                </a:solidFill>
+              </a:rPr>
+              <a:t>被分配</a:t>
+            </a:r>
+          </a:p>
+        </p:txBody>
+      </p:sp>
+      <p:sp>
+        <p:nvSpPr>
+          <p:cNvPr id="31" name="流程图: 决策 30">
+            <a:extLst>
+              <a:ext uri="{FF2B5EF4-FFF2-40B4-BE49-F238E27FC236}">
+                <a16:creationId xmlns:a16="http://schemas.microsoft.com/office/drawing/2014/main" id="{17549A6D-FC57-4E92-B0E8-84648A03B6A7}"/>
+              </a:ext>
+            </a:extLst>
+          </p:cNvPr>
+          <p:cNvSpPr/>
+          <p:nvPr/>
+        </p:nvSpPr>
+        <p:spPr>
+          <a:xfrm>
+            <a:off x="6137178" y="4999623"/>
+            <a:ext cx="583408" cy="742951"/>
+          </a:xfrm>
+          <a:prstGeom prst="flowChartDecision">
+            <a:avLst/>
+          </a:prstGeom>
+          <a:noFill/>
+          <a:ln>
+            <a:solidFill>
+              <a:schemeClr val="tx1"/>
+            </a:solidFill>
+          </a:ln>
+        </p:spPr>
+        <p:style>
+          <a:lnRef idx="2">
+            <a:schemeClr val="accent1">
+              <a:shade val="50000"/>
+            </a:schemeClr>
+          </a:lnRef>
+          <a:fillRef idx="1">
+            <a:schemeClr val="accent1"/>
+          </a:fillRef>
+          <a:effectRef idx="0">
+            <a:schemeClr val="accent1"/>
+          </a:effectRef>
+          <a:fontRef idx="minor">
+            <a:schemeClr val="lt1"/>
+          </a:fontRef>
+        </p:style>
+        <p:txBody>
+          <a:bodyPr rtlCol="0" anchor="ctr"/>
+          <a:lstStyle/>
+          <a:p>
+            <a:pPr algn="ctr"/>
+            <a:r>
+              <a:rPr lang="zh-CN" altLang="en-US" sz="1200" dirty="0">
+                <a:solidFill>
+                  <a:schemeClr val="tx1"/>
+                </a:solidFill>
+              </a:rPr>
+              <a:t>分配</a:t>
+            </a:r>
+          </a:p>
+        </p:txBody>
+      </p:sp>
+      <p:cxnSp>
+        <p:nvCxnSpPr>
+          <p:cNvPr id="33" name="直接连接符 32">
+            <a:extLst>
+              <a:ext uri="{FF2B5EF4-FFF2-40B4-BE49-F238E27FC236}">
+                <a16:creationId xmlns:a16="http://schemas.microsoft.com/office/drawing/2014/main" id="{E1951F96-8CFF-4A4C-8AD9-50227C73BA57}"/>
+              </a:ext>
+            </a:extLst>
+          </p:cNvPr>
+          <p:cNvCxnSpPr>
+            <a:cxnSpLocks/>
+            <a:stCxn id="9" idx="3"/>
+            <a:endCxn id="30" idx="1"/>
+          </p:cNvCxnSpPr>
+          <p:nvPr/>
+        </p:nvCxnSpPr>
+        <p:spPr>
+          <a:xfrm flipV="1">
+            <a:off x="4527804" y="4544191"/>
+            <a:ext cx="1558045" cy="6893"/>
+          </a:xfrm>
+          <a:prstGeom prst="line">
+            <a:avLst/>
+          </a:prstGeom>
+          <a:ln w="12700">
+            <a:solidFill>
+              <a:schemeClr val="tx1"/>
+            </a:solidFill>
+          </a:ln>
+        </p:spPr>
+        <p:style>
+          <a:lnRef idx="1">
+            <a:schemeClr val="accent1"/>
+          </a:lnRef>
+          <a:fillRef idx="0">
+            <a:schemeClr val="accent1"/>
+          </a:fillRef>
+          <a:effectRef idx="0">
+            <a:schemeClr val="accent1"/>
+          </a:effectRef>
+          <a:fontRef idx="minor">
+            <a:schemeClr val="tx1"/>
+          </a:fontRef>
+        </p:style>
+      </p:cxnSp>
+      <p:sp>
+        <p:nvSpPr>
+          <p:cNvPr id="36" name="文本框 35">
+            <a:extLst>
+              <a:ext uri="{FF2B5EF4-FFF2-40B4-BE49-F238E27FC236}">
+                <a16:creationId xmlns:a16="http://schemas.microsoft.com/office/drawing/2014/main" id="{EFE30610-81D2-420D-BFB2-4C89A9581ADD}"/>
+              </a:ext>
+            </a:extLst>
+          </p:cNvPr>
+          <p:cNvSpPr txBox="1"/>
+          <p:nvPr/>
+        </p:nvSpPr>
+        <p:spPr>
+          <a:xfrm>
+            <a:off x="5298988" y="4276306"/>
+            <a:ext cx="233362" cy="338554"/>
+          </a:xfrm>
+          <a:prstGeom prst="rect">
+            <a:avLst/>
+          </a:prstGeom>
+          <a:noFill/>
+        </p:spPr>
+        <p:txBody>
+          <a:bodyPr wrap="square" rtlCol="0">
+            <a:spAutoFit/>
+          </a:bodyPr>
+          <a:lstStyle/>
+          <a:p>
+            <a:r>
+              <a:rPr lang="en-US" altLang="zh-CN" sz="1600" dirty="0"/>
+              <a:t>N</a:t>
+            </a:r>
+            <a:endParaRPr lang="zh-CN" altLang="en-US" sz="1600" dirty="0"/>
+          </a:p>
+        </p:txBody>
+      </p:sp>
+      <p:cxnSp>
+        <p:nvCxnSpPr>
+          <p:cNvPr id="38" name="直接连接符 37">
+            <a:extLst>
+              <a:ext uri="{FF2B5EF4-FFF2-40B4-BE49-F238E27FC236}">
+                <a16:creationId xmlns:a16="http://schemas.microsoft.com/office/drawing/2014/main" id="{709128B7-868F-42F4-92DA-742FEE65F02B}"/>
+              </a:ext>
+            </a:extLst>
+          </p:cNvPr>
+          <p:cNvCxnSpPr>
+            <a:cxnSpLocks/>
+            <a:stCxn id="30" idx="3"/>
+            <a:endCxn id="12" idx="1"/>
+          </p:cNvCxnSpPr>
+          <p:nvPr/>
+        </p:nvCxnSpPr>
+        <p:spPr>
+          <a:xfrm flipV="1">
+            <a:off x="6669257" y="4526256"/>
+            <a:ext cx="1163805" cy="17935"/>
+          </a:xfrm>
+          <a:prstGeom prst="line">
+            <a:avLst/>
+          </a:prstGeom>
+          <a:ln w="12700">
+            <a:solidFill>
+              <a:schemeClr val="tx1"/>
+            </a:solidFill>
+          </a:ln>
+        </p:spPr>
+        <p:style>
+          <a:lnRef idx="1">
+            <a:schemeClr val="accent1"/>
+          </a:lnRef>
+          <a:fillRef idx="0">
+            <a:schemeClr val="accent1"/>
+          </a:fillRef>
+          <a:effectRef idx="0">
+            <a:schemeClr val="accent1"/>
+          </a:effectRef>
+          <a:fontRef idx="minor">
+            <a:schemeClr val="tx1"/>
+          </a:fontRef>
+        </p:style>
+      </p:cxnSp>
+      <p:sp>
+        <p:nvSpPr>
+          <p:cNvPr id="39" name="文本框 38">
+            <a:extLst>
+              <a:ext uri="{FF2B5EF4-FFF2-40B4-BE49-F238E27FC236}">
+                <a16:creationId xmlns:a16="http://schemas.microsoft.com/office/drawing/2014/main" id="{BB5D1683-1027-4424-945B-7FF83C20A374}"/>
+              </a:ext>
+            </a:extLst>
+          </p:cNvPr>
+          <p:cNvSpPr txBox="1"/>
+          <p:nvPr/>
+        </p:nvSpPr>
+        <p:spPr>
+          <a:xfrm>
+            <a:off x="7167509" y="4245264"/>
+            <a:ext cx="298450" cy="338554"/>
+          </a:xfrm>
+          <a:prstGeom prst="rect">
+            <a:avLst/>
+          </a:prstGeom>
+          <a:noFill/>
+        </p:spPr>
+        <p:txBody>
+          <a:bodyPr wrap="square" rtlCol="0">
+            <a:spAutoFit/>
+          </a:bodyPr>
+          <a:lstStyle/>
+          <a:p>
+            <a:r>
+              <a:rPr lang="en-US" altLang="zh-CN" sz="1600" dirty="0"/>
+              <a:t>1</a:t>
+            </a:r>
+            <a:endParaRPr lang="zh-CN" altLang="en-US" sz="1600" dirty="0"/>
+          </a:p>
+        </p:txBody>
+      </p:sp>
+      <p:cxnSp>
+        <p:nvCxnSpPr>
+          <p:cNvPr id="45" name="直接连接符 44">
+            <a:extLst>
+              <a:ext uri="{FF2B5EF4-FFF2-40B4-BE49-F238E27FC236}">
+                <a16:creationId xmlns:a16="http://schemas.microsoft.com/office/drawing/2014/main" id="{1CCCF52C-554B-483E-BC3B-E115DA632550}"/>
+              </a:ext>
+            </a:extLst>
+          </p:cNvPr>
+          <p:cNvCxnSpPr>
+            <a:cxnSpLocks/>
+            <a:stCxn id="11" idx="3"/>
+            <a:endCxn id="31" idx="1"/>
+          </p:cNvCxnSpPr>
+          <p:nvPr/>
+        </p:nvCxnSpPr>
+        <p:spPr>
+          <a:xfrm flipV="1">
+            <a:off x="4527804" y="5371099"/>
+            <a:ext cx="1609374" cy="28739"/>
+          </a:xfrm>
+          <a:prstGeom prst="line">
+            <a:avLst/>
+          </a:prstGeom>
+          <a:ln w="19050">
+            <a:solidFill>
+              <a:schemeClr val="tx1"/>
+            </a:solidFill>
+          </a:ln>
+        </p:spPr>
+        <p:style>
+          <a:lnRef idx="1">
+            <a:schemeClr val="accent1"/>
+          </a:lnRef>
+          <a:fillRef idx="0">
+            <a:schemeClr val="accent1"/>
+          </a:fillRef>
+          <a:effectRef idx="0">
+            <a:schemeClr val="accent1"/>
+          </a:effectRef>
+          <a:fontRef idx="minor">
+            <a:schemeClr val="tx1"/>
+          </a:fontRef>
+        </p:style>
+      </p:cxnSp>
+      <p:sp>
+        <p:nvSpPr>
+          <p:cNvPr id="47" name="文本框 46">
+            <a:extLst>
+              <a:ext uri="{FF2B5EF4-FFF2-40B4-BE49-F238E27FC236}">
+                <a16:creationId xmlns:a16="http://schemas.microsoft.com/office/drawing/2014/main" id="{7836F5F4-775C-45DF-84DF-99251E3440D7}"/>
+              </a:ext>
+            </a:extLst>
+          </p:cNvPr>
+          <p:cNvSpPr txBox="1"/>
+          <p:nvPr/>
+        </p:nvSpPr>
+        <p:spPr>
+          <a:xfrm>
+            <a:off x="5306123" y="5124987"/>
+            <a:ext cx="233362" cy="338554"/>
+          </a:xfrm>
+          <a:prstGeom prst="rect">
+            <a:avLst/>
+          </a:prstGeom>
+          <a:noFill/>
+        </p:spPr>
+        <p:txBody>
+          <a:bodyPr wrap="square" rtlCol="0">
+            <a:spAutoFit/>
+          </a:bodyPr>
+          <a:lstStyle/>
+          <a:p>
+            <a:r>
+              <a:rPr lang="en-US" altLang="zh-CN" sz="1600" dirty="0"/>
+              <a:t>N</a:t>
+            </a:r>
+            <a:endParaRPr lang="zh-CN" altLang="en-US" sz="1600" dirty="0"/>
+          </a:p>
+        </p:txBody>
+      </p:sp>
+      <p:cxnSp>
+        <p:nvCxnSpPr>
+          <p:cNvPr id="49" name="直接连接符 48">
+            <a:extLst>
+              <a:ext uri="{FF2B5EF4-FFF2-40B4-BE49-F238E27FC236}">
+                <a16:creationId xmlns:a16="http://schemas.microsoft.com/office/drawing/2014/main" id="{15517884-3EBB-47D9-AF3A-50DE0897AE3E}"/>
+              </a:ext>
+            </a:extLst>
+          </p:cNvPr>
+          <p:cNvCxnSpPr>
+            <a:cxnSpLocks/>
+            <a:stCxn id="31" idx="3"/>
+          </p:cNvCxnSpPr>
+          <p:nvPr/>
+        </p:nvCxnSpPr>
+        <p:spPr>
+          <a:xfrm flipV="1">
+            <a:off x="6720586" y="5371098"/>
+            <a:ext cx="1112476" cy="1"/>
+          </a:xfrm>
+          <a:prstGeom prst="line">
+            <a:avLst/>
+          </a:prstGeom>
+          <a:ln w="19050">
+            <a:solidFill>
+              <a:schemeClr val="tx1"/>
+            </a:solidFill>
+          </a:ln>
+        </p:spPr>
+        <p:style>
+          <a:lnRef idx="1">
+            <a:schemeClr val="accent1"/>
+          </a:lnRef>
+          <a:fillRef idx="0">
+            <a:schemeClr val="accent1"/>
+          </a:fillRef>
+          <a:effectRef idx="0">
+            <a:schemeClr val="accent1"/>
+          </a:effectRef>
+          <a:fontRef idx="minor">
+            <a:schemeClr val="tx1"/>
+          </a:fontRef>
+        </p:style>
+      </p:cxnSp>
+      <p:sp>
+        <p:nvSpPr>
+          <p:cNvPr id="50" name="文本框 49">
+            <a:extLst>
+              <a:ext uri="{FF2B5EF4-FFF2-40B4-BE49-F238E27FC236}">
+                <a16:creationId xmlns:a16="http://schemas.microsoft.com/office/drawing/2014/main" id="{B770A398-6C6B-430C-AE53-3D75D7CA1FDD}"/>
+              </a:ext>
+            </a:extLst>
+          </p:cNvPr>
+          <p:cNvSpPr txBox="1"/>
+          <p:nvPr/>
+        </p:nvSpPr>
+        <p:spPr>
+          <a:xfrm>
+            <a:off x="7169054" y="5061284"/>
+            <a:ext cx="298450" cy="338554"/>
+          </a:xfrm>
+          <a:prstGeom prst="rect">
+            <a:avLst/>
+          </a:prstGeom>
+          <a:noFill/>
+        </p:spPr>
+        <p:txBody>
+          <a:bodyPr wrap="square" rtlCol="0">
+            <a:spAutoFit/>
+          </a:bodyPr>
+          <a:lstStyle/>
+          <a:p>
+            <a:r>
+              <a:rPr lang="en-US" altLang="zh-CN" sz="1600" dirty="0"/>
+              <a:t>1</a:t>
+            </a:r>
+            <a:endParaRPr lang="zh-CN" altLang="en-US" sz="1600" dirty="0"/>
+          </a:p>
+        </p:txBody>
+      </p:sp>
+      <p:sp>
+        <p:nvSpPr>
+          <p:cNvPr id="70" name="流程图: 决策 69">
+            <a:extLst>
+              <a:ext uri="{FF2B5EF4-FFF2-40B4-BE49-F238E27FC236}">
+                <a16:creationId xmlns:a16="http://schemas.microsoft.com/office/drawing/2014/main" id="{46A2B933-A2E0-4ED0-A23E-624871975C09}"/>
+              </a:ext>
+            </a:extLst>
+          </p:cNvPr>
+          <p:cNvSpPr/>
+          <p:nvPr/>
+        </p:nvSpPr>
+        <p:spPr>
+          <a:xfrm>
+            <a:off x="8136628" y="2500091"/>
+            <a:ext cx="771523" cy="436759"/>
+          </a:xfrm>
+          <a:prstGeom prst="flowChartDecision">
+            <a:avLst/>
+          </a:prstGeom>
           <a:solidFill>
-            <a:schemeClr val="accent4">
-              <a:lumMod val="20000"/>
-              <a:lumOff val="80000"/>
-            </a:schemeClr>
+            <a:schemeClr val="bg1"/>
           </a:solidFill>
           <a:ln>
             <a:solidFill>
@@ -6937,17 +8429,323 @@
                   <a:schemeClr val="tx1"/>
                 </a:solidFill>
               </a:rPr>
-              <a:t>打印</a:t>
-            </a:r>
-          </a:p>
-        </p:txBody>
-      </p:sp>
-      <p:sp>
-        <p:nvSpPr>
-          <p:cNvPr id="15" name="矩形: 圆角 14">
-            <a:extLst>
-              <a:ext uri="{FF2B5EF4-FFF2-40B4-BE49-F238E27FC236}">
-                <a16:creationId xmlns:a16="http://schemas.microsoft.com/office/drawing/2014/main" id="{80E2C7DF-096D-4402-9B94-FE71CAC5CD77}"/>
+              <a:t>属于</a:t>
+            </a:r>
+          </a:p>
+        </p:txBody>
+      </p:sp>
+      <p:cxnSp>
+        <p:nvCxnSpPr>
+          <p:cNvPr id="72" name="直接连接符 71">
+            <a:extLst>
+              <a:ext uri="{FF2B5EF4-FFF2-40B4-BE49-F238E27FC236}">
+                <a16:creationId xmlns:a16="http://schemas.microsoft.com/office/drawing/2014/main" id="{C20A32DD-2F0A-4532-AF43-9D530F3DEF6C}"/>
+              </a:ext>
+            </a:extLst>
+          </p:cNvPr>
+          <p:cNvCxnSpPr>
+            <a:cxnSpLocks/>
+            <a:stCxn id="15" idx="2"/>
+            <a:endCxn id="70" idx="0"/>
+          </p:cNvCxnSpPr>
+          <p:nvPr/>
+        </p:nvCxnSpPr>
+        <p:spPr>
+          <a:xfrm>
+            <a:off x="8508116" y="2131593"/>
+            <a:ext cx="14274" cy="368498"/>
+          </a:xfrm>
+          <a:prstGeom prst="line">
+            <a:avLst/>
+          </a:prstGeom>
+          <a:ln w="19050"/>
+        </p:spPr>
+        <p:style>
+          <a:lnRef idx="1">
+            <a:schemeClr val="dk1"/>
+          </a:lnRef>
+          <a:fillRef idx="0">
+            <a:schemeClr val="dk1"/>
+          </a:fillRef>
+          <a:effectRef idx="0">
+            <a:schemeClr val="dk1"/>
+          </a:effectRef>
+          <a:fontRef idx="minor">
+            <a:schemeClr val="tx1"/>
+          </a:fontRef>
+        </p:style>
+      </p:cxnSp>
+      <p:cxnSp>
+        <p:nvCxnSpPr>
+          <p:cNvPr id="74" name="直接连接符 73">
+            <a:extLst>
+              <a:ext uri="{FF2B5EF4-FFF2-40B4-BE49-F238E27FC236}">
+                <a16:creationId xmlns:a16="http://schemas.microsoft.com/office/drawing/2014/main" id="{AC21F8A9-9DD9-4C7E-A36F-65EFD3ED9DB1}"/>
+              </a:ext>
+            </a:extLst>
+          </p:cNvPr>
+          <p:cNvCxnSpPr>
+            <a:cxnSpLocks/>
+            <a:stCxn id="70" idx="2"/>
+            <a:endCxn id="12" idx="0"/>
+          </p:cNvCxnSpPr>
+          <p:nvPr/>
+        </p:nvCxnSpPr>
+        <p:spPr>
+          <a:xfrm>
+            <a:off x="8522390" y="2936850"/>
+            <a:ext cx="15522" cy="513280"/>
+          </a:xfrm>
+          <a:prstGeom prst="line">
+            <a:avLst/>
+          </a:prstGeom>
+          <a:ln w="12700"/>
+        </p:spPr>
+        <p:style>
+          <a:lnRef idx="1">
+            <a:schemeClr val="dk1"/>
+          </a:lnRef>
+          <a:fillRef idx="0">
+            <a:schemeClr val="dk1"/>
+          </a:fillRef>
+          <a:effectRef idx="0">
+            <a:schemeClr val="dk1"/>
+          </a:effectRef>
+          <a:fontRef idx="minor">
+            <a:schemeClr val="tx1"/>
+          </a:fontRef>
+        </p:style>
+      </p:cxnSp>
+      <p:sp>
+        <p:nvSpPr>
+          <p:cNvPr id="75" name="文本框 74">
+            <a:extLst>
+              <a:ext uri="{FF2B5EF4-FFF2-40B4-BE49-F238E27FC236}">
+                <a16:creationId xmlns:a16="http://schemas.microsoft.com/office/drawing/2014/main" id="{8FAEB9B0-F380-44A1-AFAF-EE44D18D6AFC}"/>
+              </a:ext>
+            </a:extLst>
+          </p:cNvPr>
+          <p:cNvSpPr txBox="1"/>
+          <p:nvPr/>
+        </p:nvSpPr>
+        <p:spPr>
+          <a:xfrm>
+            <a:off x="8600302" y="2200796"/>
+            <a:ext cx="286409" cy="338554"/>
+          </a:xfrm>
+          <a:prstGeom prst="rect">
+            <a:avLst/>
+          </a:prstGeom>
+          <a:noFill/>
+        </p:spPr>
+        <p:txBody>
+          <a:bodyPr wrap="square" rtlCol="0">
+            <a:spAutoFit/>
+          </a:bodyPr>
+          <a:lstStyle/>
+          <a:p>
+            <a:r>
+              <a:rPr lang="en-US" altLang="zh-CN" sz="1600" dirty="0"/>
+              <a:t>1</a:t>
+            </a:r>
+            <a:endParaRPr lang="zh-CN" altLang="en-US" sz="1600" dirty="0"/>
+          </a:p>
+        </p:txBody>
+      </p:sp>
+      <p:sp>
+        <p:nvSpPr>
+          <p:cNvPr id="76" name="文本框 75">
+            <a:extLst>
+              <a:ext uri="{FF2B5EF4-FFF2-40B4-BE49-F238E27FC236}">
+                <a16:creationId xmlns:a16="http://schemas.microsoft.com/office/drawing/2014/main" id="{40888C6A-16FF-4BC0-A7BD-F46A3B609940}"/>
+              </a:ext>
+            </a:extLst>
+          </p:cNvPr>
+          <p:cNvSpPr txBox="1"/>
+          <p:nvPr/>
+        </p:nvSpPr>
+        <p:spPr>
+          <a:xfrm>
+            <a:off x="8600302" y="3018141"/>
+            <a:ext cx="385754" cy="338554"/>
+          </a:xfrm>
+          <a:prstGeom prst="rect">
+            <a:avLst/>
+          </a:prstGeom>
+          <a:noFill/>
+        </p:spPr>
+        <p:txBody>
+          <a:bodyPr wrap="square" rtlCol="0">
+            <a:spAutoFit/>
+          </a:bodyPr>
+          <a:lstStyle/>
+          <a:p>
+            <a:r>
+              <a:rPr lang="en-US" altLang="zh-CN" sz="1600" dirty="0"/>
+              <a:t>1</a:t>
+            </a:r>
+            <a:endParaRPr lang="zh-CN" altLang="en-US" sz="1600" dirty="0"/>
+          </a:p>
+        </p:txBody>
+      </p:sp>
+      <p:cxnSp>
+        <p:nvCxnSpPr>
+          <p:cNvPr id="89" name="直接连接符 88">
+            <a:extLst>
+              <a:ext uri="{FF2B5EF4-FFF2-40B4-BE49-F238E27FC236}">
+                <a16:creationId xmlns:a16="http://schemas.microsoft.com/office/drawing/2014/main" id="{5CCCD8AB-7E52-445D-B55D-0FCAD36BF5AC}"/>
+              </a:ext>
+            </a:extLst>
+          </p:cNvPr>
+          <p:cNvCxnSpPr>
+            <a:cxnSpLocks/>
+            <a:endCxn id="14" idx="1"/>
+          </p:cNvCxnSpPr>
+          <p:nvPr/>
+        </p:nvCxnSpPr>
+        <p:spPr>
+          <a:xfrm>
+            <a:off x="4684893" y="1674393"/>
+            <a:ext cx="1355714" cy="0"/>
+          </a:xfrm>
+          <a:prstGeom prst="line">
+            <a:avLst/>
+          </a:prstGeom>
+          <a:ln w="12700"/>
+        </p:spPr>
+        <p:style>
+          <a:lnRef idx="1">
+            <a:schemeClr val="dk1"/>
+          </a:lnRef>
+          <a:fillRef idx="0">
+            <a:schemeClr val="dk1"/>
+          </a:fillRef>
+          <a:effectRef idx="0">
+            <a:schemeClr val="dk1"/>
+          </a:effectRef>
+          <a:fontRef idx="minor">
+            <a:schemeClr val="tx1"/>
+          </a:fontRef>
+        </p:style>
+      </p:cxnSp>
+      <p:cxnSp>
+        <p:nvCxnSpPr>
+          <p:cNvPr id="91" name="直接连接符 90">
+            <a:extLst>
+              <a:ext uri="{FF2B5EF4-FFF2-40B4-BE49-F238E27FC236}">
+                <a16:creationId xmlns:a16="http://schemas.microsoft.com/office/drawing/2014/main" id="{33269438-DB45-4C1A-B345-DA59FA5D3D5B}"/>
+              </a:ext>
+            </a:extLst>
+          </p:cNvPr>
+          <p:cNvCxnSpPr>
+            <a:stCxn id="14" idx="3"/>
+            <a:endCxn id="15" idx="1"/>
+          </p:cNvCxnSpPr>
+          <p:nvPr/>
+        </p:nvCxnSpPr>
+        <p:spPr>
+          <a:xfrm>
+            <a:off x="6669257" y="1674393"/>
+            <a:ext cx="1381659" cy="0"/>
+          </a:xfrm>
+          <a:prstGeom prst="line">
+            <a:avLst/>
+          </a:prstGeom>
+          <a:ln w="12700"/>
+        </p:spPr>
+        <p:style>
+          <a:lnRef idx="1">
+            <a:schemeClr val="dk1"/>
+          </a:lnRef>
+          <a:fillRef idx="0">
+            <a:schemeClr val="dk1"/>
+          </a:fillRef>
+          <a:effectRef idx="0">
+            <a:schemeClr val="dk1"/>
+          </a:effectRef>
+          <a:fontRef idx="minor">
+            <a:schemeClr val="tx1"/>
+          </a:fontRef>
+        </p:style>
+      </p:cxnSp>
+      <p:sp>
+        <p:nvSpPr>
+          <p:cNvPr id="106" name="文本框 105">
+            <a:extLst>
+              <a:ext uri="{FF2B5EF4-FFF2-40B4-BE49-F238E27FC236}">
+                <a16:creationId xmlns:a16="http://schemas.microsoft.com/office/drawing/2014/main" id="{EF4A2F07-4BE0-43B1-AA93-1A0EB4F669D5}"/>
+              </a:ext>
+            </a:extLst>
+          </p:cNvPr>
+          <p:cNvSpPr txBox="1"/>
+          <p:nvPr/>
+        </p:nvSpPr>
+        <p:spPr>
+          <a:xfrm>
+            <a:off x="5214551" y="1383957"/>
+            <a:ext cx="324934" cy="338554"/>
+          </a:xfrm>
+          <a:prstGeom prst="rect">
+            <a:avLst/>
+          </a:prstGeom>
+          <a:noFill/>
+        </p:spPr>
+        <p:txBody>
+          <a:bodyPr wrap="square" rtlCol="0">
+            <a:spAutoFit/>
+          </a:bodyPr>
+          <a:lstStyle/>
+          <a:p>
+            <a:r>
+              <a:rPr lang="en-US" altLang="zh-CN" sz="1600" dirty="0"/>
+              <a:t>N</a:t>
+            </a:r>
+            <a:endParaRPr lang="zh-CN" altLang="en-US" sz="1600" dirty="0"/>
+          </a:p>
+        </p:txBody>
+      </p:sp>
+      <p:sp>
+        <p:nvSpPr>
+          <p:cNvPr id="107" name="文本框 106">
+            <a:extLst>
+              <a:ext uri="{FF2B5EF4-FFF2-40B4-BE49-F238E27FC236}">
+                <a16:creationId xmlns:a16="http://schemas.microsoft.com/office/drawing/2014/main" id="{F11026CF-AE29-428F-B89D-181BA0CE798A}"/>
+              </a:ext>
+            </a:extLst>
+          </p:cNvPr>
+          <p:cNvSpPr txBox="1"/>
+          <p:nvPr/>
+        </p:nvSpPr>
+        <p:spPr>
+          <a:xfrm>
+            <a:off x="7141176" y="1383957"/>
+            <a:ext cx="324934" cy="338554"/>
+          </a:xfrm>
+          <a:prstGeom prst="rect">
+            <a:avLst/>
+          </a:prstGeom>
+          <a:noFill/>
+        </p:spPr>
+        <p:txBody>
+          <a:bodyPr wrap="square" rtlCol="0">
+            <a:spAutoFit/>
+          </a:bodyPr>
+          <a:lstStyle/>
+          <a:p>
+            <a:r>
+              <a:rPr lang="en-US" altLang="zh-CN" sz="1600" dirty="0"/>
+              <a:t>N</a:t>
+            </a:r>
+            <a:endParaRPr lang="zh-CN" altLang="en-US" sz="1600" dirty="0"/>
+          </a:p>
+        </p:txBody>
+      </p:sp>
+      <p:sp>
+        <p:nvSpPr>
+          <p:cNvPr id="111" name="矩形: 圆角 110">
+            <a:extLst>
+              <a:ext uri="{FF2B5EF4-FFF2-40B4-BE49-F238E27FC236}">
+                <a16:creationId xmlns:a16="http://schemas.microsoft.com/office/drawing/2014/main" id="{59C18430-0D19-438D-A170-CA4FF175E85D}"/>
               </a:ext>
             </a:extLst>
           </p:cNvPr>
@@ -6956,14 +8754,14 @@
         </p:nvSpPr>
         <p:spPr>
           <a:xfrm>
-            <a:off x="8050916" y="1217193"/>
-            <a:ext cx="914400" cy="914400"/>
+            <a:off x="7938268" y="4013796"/>
+            <a:ext cx="1215886" cy="369332"/>
           </a:xfrm>
           <a:prstGeom prst="roundRect">
             <a:avLst/>
           </a:prstGeom>
           <a:solidFill>
-            <a:srgbClr val="D8FFFF"/>
+            <a:srgbClr val="FFFFFF"/>
           </a:solidFill>
           <a:ln>
             <a:solidFill>
@@ -6992,211 +8790,23 @@
           <a:lstStyle/>
           <a:p>
             <a:pPr algn="ctr"/>
-            <a:endParaRPr lang="zh-CN" altLang="en-US" dirty="0"/>
-          </a:p>
-        </p:txBody>
-      </p:sp>
-      <p:sp>
-        <p:nvSpPr>
-          <p:cNvPr id="16" name="文本框 15">
-            <a:extLst>
-              <a:ext uri="{FF2B5EF4-FFF2-40B4-BE49-F238E27FC236}">
-                <a16:creationId xmlns:a16="http://schemas.microsoft.com/office/drawing/2014/main" id="{4AEEE71C-2F13-49E2-93B0-7DA3105AF6A2}"/>
-              </a:ext>
-            </a:extLst>
-          </p:cNvPr>
-          <p:cNvSpPr txBox="1"/>
-          <p:nvPr/>
-        </p:nvSpPr>
-        <p:spPr>
-          <a:xfrm>
-            <a:off x="8050916" y="1244211"/>
-            <a:ext cx="771523" cy="369332"/>
-          </a:xfrm>
-          <a:prstGeom prst="rect">
-            <a:avLst/>
-          </a:prstGeom>
-          <a:noFill/>
-        </p:spPr>
-        <p:txBody>
-          <a:bodyPr wrap="square" rtlCol="0">
-            <a:spAutoFit/>
-          </a:bodyPr>
-          <a:lstStyle/>
-          <a:p>
-            <a:r>
-              <a:rPr lang="zh-CN" altLang="en-US" dirty="0"/>
-              <a:t>报表</a:t>
-            </a:r>
-          </a:p>
-        </p:txBody>
-      </p:sp>
-      <p:cxnSp>
-        <p:nvCxnSpPr>
-          <p:cNvPr id="18" name="直接连接符 17">
-            <a:extLst>
-              <a:ext uri="{FF2B5EF4-FFF2-40B4-BE49-F238E27FC236}">
-                <a16:creationId xmlns:a16="http://schemas.microsoft.com/office/drawing/2014/main" id="{3A285217-E3A3-43B0-81AB-EF29CEED1841}"/>
-              </a:ext>
-            </a:extLst>
-          </p:cNvPr>
-          <p:cNvCxnSpPr>
-            <a:cxnSpLocks/>
-            <a:stCxn id="8" idx="3"/>
-            <a:endCxn id="4" idx="1"/>
-          </p:cNvCxnSpPr>
-          <p:nvPr/>
-        </p:nvCxnSpPr>
-        <p:spPr>
-          <a:xfrm>
-            <a:off x="4527803" y="3717282"/>
-            <a:ext cx="1558046" cy="10889"/>
-          </a:xfrm>
-          <a:prstGeom prst="line">
-            <a:avLst/>
-          </a:prstGeom>
-          <a:ln w="12700">
-            <a:solidFill>
-              <a:schemeClr val="tx1"/>
-            </a:solidFill>
-          </a:ln>
-        </p:spPr>
-        <p:style>
-          <a:lnRef idx="1">
-            <a:schemeClr val="accent1"/>
-          </a:lnRef>
-          <a:fillRef idx="0">
-            <a:schemeClr val="accent1"/>
-          </a:fillRef>
-          <a:effectRef idx="0">
-            <a:schemeClr val="accent1"/>
-          </a:effectRef>
-          <a:fontRef idx="minor">
-            <a:schemeClr val="tx1"/>
-          </a:fontRef>
-        </p:style>
-      </p:cxnSp>
-      <p:cxnSp>
-        <p:nvCxnSpPr>
-          <p:cNvPr id="22" name="直接连接符 21">
-            <a:extLst>
-              <a:ext uri="{FF2B5EF4-FFF2-40B4-BE49-F238E27FC236}">
-                <a16:creationId xmlns:a16="http://schemas.microsoft.com/office/drawing/2014/main" id="{B93A6A93-5A3F-42D3-BF7E-EDADF3AA4B8C}"/>
-              </a:ext>
-            </a:extLst>
-          </p:cNvPr>
-          <p:cNvCxnSpPr>
-            <a:cxnSpLocks/>
-          </p:cNvCxnSpPr>
-          <p:nvPr/>
-        </p:nvCxnSpPr>
-        <p:spPr>
-          <a:xfrm flipV="1">
-            <a:off x="6655750" y="3717282"/>
-            <a:ext cx="1177312" cy="10889"/>
-          </a:xfrm>
-          <a:prstGeom prst="line">
-            <a:avLst/>
-          </a:prstGeom>
-          <a:ln w="19050">
-            <a:solidFill>
-              <a:schemeClr val="tx1"/>
-            </a:solidFill>
-          </a:ln>
-        </p:spPr>
-        <p:style>
-          <a:lnRef idx="1">
-            <a:schemeClr val="accent1"/>
-          </a:lnRef>
-          <a:fillRef idx="0">
-            <a:schemeClr val="accent1"/>
-          </a:fillRef>
-          <a:effectRef idx="0">
-            <a:schemeClr val="accent1"/>
-          </a:effectRef>
-          <a:fontRef idx="minor">
-            <a:schemeClr val="tx1"/>
-          </a:fontRef>
-        </p:style>
-      </p:cxnSp>
-      <p:sp>
-        <p:nvSpPr>
-          <p:cNvPr id="26" name="文本框 25">
-            <a:extLst>
-              <a:ext uri="{FF2B5EF4-FFF2-40B4-BE49-F238E27FC236}">
-                <a16:creationId xmlns:a16="http://schemas.microsoft.com/office/drawing/2014/main" id="{094DF7DC-9296-478C-9C2E-C0450AF0A40F}"/>
-              </a:ext>
-            </a:extLst>
-          </p:cNvPr>
-          <p:cNvSpPr txBox="1"/>
-          <p:nvPr/>
-        </p:nvSpPr>
-        <p:spPr>
-          <a:xfrm>
-            <a:off x="5282586" y="3455565"/>
-            <a:ext cx="233362" cy="338554"/>
-          </a:xfrm>
-          <a:prstGeom prst="rect">
-            <a:avLst/>
-          </a:prstGeom>
-          <a:noFill/>
-        </p:spPr>
-        <p:txBody>
-          <a:bodyPr wrap="square" rtlCol="0">
-            <a:spAutoFit/>
-          </a:bodyPr>
-          <a:lstStyle/>
-          <a:p>
-            <a:r>
-              <a:rPr lang="en-US" altLang="zh-CN" sz="1600" dirty="0"/>
-              <a:t>N</a:t>
-            </a:r>
-            <a:endParaRPr lang="zh-CN" altLang="en-US" sz="1600" dirty="0"/>
-          </a:p>
-        </p:txBody>
-      </p:sp>
-      <p:sp>
-        <p:nvSpPr>
-          <p:cNvPr id="29" name="文本框 28">
-            <a:extLst>
-              <a:ext uri="{FF2B5EF4-FFF2-40B4-BE49-F238E27FC236}">
-                <a16:creationId xmlns:a16="http://schemas.microsoft.com/office/drawing/2014/main" id="{A05937FD-4CE5-4603-8D18-148CB2AD709D}"/>
-              </a:ext>
-            </a:extLst>
-          </p:cNvPr>
-          <p:cNvSpPr txBox="1"/>
-          <p:nvPr/>
-        </p:nvSpPr>
-        <p:spPr>
-          <a:xfrm>
-            <a:off x="7134511" y="3450130"/>
-            <a:ext cx="298450" cy="338554"/>
-          </a:xfrm>
-          <a:prstGeom prst="rect">
-            <a:avLst/>
-          </a:prstGeom>
-          <a:noFill/>
-        </p:spPr>
-        <p:txBody>
-          <a:bodyPr wrap="square" rtlCol="0">
-            <a:spAutoFit/>
-          </a:bodyPr>
-          <a:lstStyle/>
-          <a:p>
-            <a:r>
-              <a:rPr lang="en-US" altLang="zh-CN" sz="1600" dirty="0"/>
-              <a:t>1</a:t>
-            </a:r>
-            <a:endParaRPr lang="zh-CN" altLang="en-US" sz="1600" dirty="0"/>
-          </a:p>
-        </p:txBody>
-      </p:sp>
-      <p:sp>
-        <p:nvSpPr>
-          <p:cNvPr id="30" name="流程图: 决策 29">
-            <a:extLst>
-              <a:ext uri="{FF2B5EF4-FFF2-40B4-BE49-F238E27FC236}">
-                <a16:creationId xmlns:a16="http://schemas.microsoft.com/office/drawing/2014/main" id="{34B383C7-EF92-470B-AB8D-565335921C57}"/>
+            <a:r>
+              <a:rPr lang="zh-CN" altLang="en-US" sz="1600" dirty="0">
+                <a:solidFill>
+                  <a:schemeClr val="tx1"/>
+                </a:solidFill>
+              </a:rPr>
+              <a:t>建筑</a:t>
+            </a:r>
+          </a:p>
+        </p:txBody>
+      </p:sp>
+      <p:sp>
+        <p:nvSpPr>
+          <p:cNvPr id="41" name="流程图: 决策 40">
+            <a:extLst>
+              <a:ext uri="{FF2B5EF4-FFF2-40B4-BE49-F238E27FC236}">
+                <a16:creationId xmlns:a16="http://schemas.microsoft.com/office/drawing/2014/main" id="{A53FE0E8-B16C-4DDA-849E-61B7550E4078}"/>
               </a:ext>
             </a:extLst>
           </p:cNvPr>
@@ -7205,17 +8815,14 @@
         </p:nvSpPr>
         <p:spPr>
           <a:xfrm>
-            <a:off x="6085849" y="4172715"/>
-            <a:ext cx="583408" cy="742951"/>
+            <a:off x="8274927" y="4732274"/>
+            <a:ext cx="525970" cy="504420"/>
           </a:xfrm>
           <a:prstGeom prst="flowChartDecision">
             <a:avLst/>
           </a:prstGeom>
           <a:solidFill>
-            <a:schemeClr val="accent4">
-              <a:lumMod val="20000"/>
-              <a:lumOff val="80000"/>
-            </a:schemeClr>
+            <a:srgbClr val="FFFFFF"/>
           </a:solidFill>
           <a:ln>
             <a:solidFill>
@@ -7250,114 +8857,84 @@
                   <a:schemeClr val="tx1"/>
                 </a:solidFill>
               </a:rPr>
-              <a:t>被分配</a:t>
-            </a:r>
-          </a:p>
-        </p:txBody>
-      </p:sp>
-      <p:sp>
-        <p:nvSpPr>
-          <p:cNvPr id="31" name="流程图: 决策 30">
-            <a:extLst>
-              <a:ext uri="{FF2B5EF4-FFF2-40B4-BE49-F238E27FC236}">
-                <a16:creationId xmlns:a16="http://schemas.microsoft.com/office/drawing/2014/main" id="{17549A6D-FC57-4E92-B0E8-84648A03B6A7}"/>
-              </a:ext>
-            </a:extLst>
-          </p:cNvPr>
-          <p:cNvSpPr/>
-          <p:nvPr/>
-        </p:nvSpPr>
-        <p:spPr>
-          <a:xfrm>
-            <a:off x="6137178" y="4999623"/>
-            <a:ext cx="583408" cy="742951"/>
-          </a:xfrm>
-          <a:prstGeom prst="flowChartDecision">
-            <a:avLst/>
-          </a:prstGeom>
-          <a:solidFill>
-            <a:schemeClr val="accent4">
-              <a:lumMod val="20000"/>
-              <a:lumOff val="80000"/>
-            </a:schemeClr>
-          </a:solidFill>
-          <a:ln>
-            <a:solidFill>
-              <a:schemeClr val="tx1"/>
-            </a:solidFill>
-          </a:ln>
-        </p:spPr>
-        <p:style>
-          <a:lnRef idx="2">
-            <a:schemeClr val="accent1">
-              <a:shade val="50000"/>
-            </a:schemeClr>
-          </a:lnRef>
-          <a:fillRef idx="1">
-            <a:schemeClr val="accent1"/>
-          </a:fillRef>
-          <a:effectRef idx="0">
-            <a:schemeClr val="accent1"/>
-          </a:effectRef>
-          <a:fontRef idx="minor">
-            <a:schemeClr val="lt1"/>
-          </a:fontRef>
-        </p:style>
-        <p:txBody>
-          <a:bodyPr rtlCol="0" anchor="ctr"/>
-          <a:lstStyle/>
-          <a:p>
-            <a:pPr algn="ctr"/>
-            <a:r>
-              <a:rPr lang="zh-CN" altLang="en-US" sz="1200" dirty="0">
-                <a:solidFill>
-                  <a:schemeClr val="tx1"/>
-                </a:solidFill>
-              </a:rPr>
-              <a:t>分配</a:t>
+              <a:t>包含</a:t>
             </a:r>
           </a:p>
         </p:txBody>
       </p:sp>
       <p:cxnSp>
         <p:nvCxnSpPr>
-          <p:cNvPr id="33" name="直接连接符 32">
-            <a:extLst>
-              <a:ext uri="{FF2B5EF4-FFF2-40B4-BE49-F238E27FC236}">
-                <a16:creationId xmlns:a16="http://schemas.microsoft.com/office/drawing/2014/main" id="{E1951F96-8CFF-4A4C-8AD9-50227C73BA57}"/>
+          <p:cNvPr id="19" name="直接连接符 18">
+            <a:extLst>
+              <a:ext uri="{FF2B5EF4-FFF2-40B4-BE49-F238E27FC236}">
+                <a16:creationId xmlns:a16="http://schemas.microsoft.com/office/drawing/2014/main" id="{9F64FDA0-5907-405D-BB26-41F736BC8D4A}"/>
+              </a:ext>
+            </a:extLst>
+          </p:cNvPr>
+          <p:cNvCxnSpPr>
+            <a:stCxn id="41" idx="2"/>
+            <a:endCxn id="12" idx="2"/>
+          </p:cNvCxnSpPr>
+          <p:nvPr/>
+        </p:nvCxnSpPr>
+        <p:spPr>
+          <a:xfrm>
+            <a:off x="8537912" y="5236694"/>
+            <a:ext cx="0" cy="365687"/>
+          </a:xfrm>
+          <a:prstGeom prst="line">
+            <a:avLst/>
+          </a:prstGeom>
+        </p:spPr>
+        <p:style>
+          <a:lnRef idx="2">
+            <a:schemeClr val="dk1"/>
+          </a:lnRef>
+          <a:fillRef idx="0">
+            <a:schemeClr val="dk1"/>
+          </a:fillRef>
+          <a:effectRef idx="1">
+            <a:schemeClr val="dk1"/>
+          </a:effectRef>
+          <a:fontRef idx="minor">
+            <a:schemeClr val="tx1"/>
+          </a:fontRef>
+        </p:style>
+      </p:cxnSp>
+      <p:cxnSp>
+        <p:nvCxnSpPr>
+          <p:cNvPr id="21" name="直接连接符 20">
+            <a:extLst>
+              <a:ext uri="{FF2B5EF4-FFF2-40B4-BE49-F238E27FC236}">
+                <a16:creationId xmlns:a16="http://schemas.microsoft.com/office/drawing/2014/main" id="{4A236D52-0AF7-4340-87B4-3644CA7BFA3D}"/>
               </a:ext>
             </a:extLst>
           </p:cNvPr>
           <p:cNvCxnSpPr>
             <a:cxnSpLocks/>
-            <a:stCxn id="9" idx="3"/>
-            <a:endCxn id="30" idx="1"/>
+            <a:stCxn id="41" idx="0"/>
+            <a:endCxn id="111" idx="2"/>
           </p:cNvCxnSpPr>
           <p:nvPr/>
         </p:nvCxnSpPr>
         <p:spPr>
           <a:xfrm flipV="1">
-            <a:off x="4527804" y="4544191"/>
-            <a:ext cx="1558045" cy="6893"/>
+            <a:off x="8537912" y="4383128"/>
+            <a:ext cx="8299" cy="349146"/>
           </a:xfrm>
           <a:prstGeom prst="line">
             <a:avLst/>
           </a:prstGeom>
-          <a:ln w="12700">
-            <a:solidFill>
-              <a:schemeClr val="tx1"/>
-            </a:solidFill>
-          </a:ln>
-        </p:spPr>
-        <p:style>
-          <a:lnRef idx="1">
-            <a:schemeClr val="accent1"/>
+        </p:spPr>
+        <p:style>
+          <a:lnRef idx="2">
+            <a:schemeClr val="dk1"/>
           </a:lnRef>
           <a:fillRef idx="0">
-            <a:schemeClr val="accent1"/>
-          </a:fillRef>
-          <a:effectRef idx="0">
-            <a:schemeClr val="accent1"/>
+            <a:schemeClr val="dk1"/>
+          </a:fillRef>
+          <a:effectRef idx="1">
+            <a:schemeClr val="dk1"/>
           </a:effectRef>
           <a:fontRef idx="minor">
             <a:schemeClr val="tx1"/>
@@ -7366,10 +8943,10 @@
       </p:cxnSp>
       <p:sp>
         <p:nvSpPr>
-          <p:cNvPr id="36" name="文本框 35">
-            <a:extLst>
-              <a:ext uri="{FF2B5EF4-FFF2-40B4-BE49-F238E27FC236}">
-                <a16:creationId xmlns:a16="http://schemas.microsoft.com/office/drawing/2014/main" id="{EFE30610-81D2-420D-BFB2-4C89A9581ADD}"/>
+          <p:cNvPr id="51" name="文本框 50">
+            <a:extLst>
+              <a:ext uri="{FF2B5EF4-FFF2-40B4-BE49-F238E27FC236}">
+                <a16:creationId xmlns:a16="http://schemas.microsoft.com/office/drawing/2014/main" id="{D9151076-7C7F-4321-B24A-CCC65012C61B}"/>
               </a:ext>
             </a:extLst>
           </p:cNvPr>
@@ -7378,8 +8955,8 @@
         </p:nvSpPr>
         <p:spPr>
           <a:xfrm>
-            <a:off x="5298988" y="4276306"/>
-            <a:ext cx="233362" cy="338554"/>
+            <a:off x="8532226" y="5216191"/>
+            <a:ext cx="298450" cy="338554"/>
           </a:xfrm>
           <a:prstGeom prst="rect">
             <a:avLst/>
@@ -7394,63 +8971,18 @@
           <a:p>
             <a:r>
               <a:rPr lang="en-US" altLang="zh-CN" sz="1600" dirty="0"/>
-              <a:t>N</a:t>
+              <a:t>1</a:t>
             </a:r>
             <a:endParaRPr lang="zh-CN" altLang="en-US" sz="1600" dirty="0"/>
           </a:p>
         </p:txBody>
       </p:sp>
-      <p:cxnSp>
-        <p:nvCxnSpPr>
-          <p:cNvPr id="38" name="直接连接符 37">
-            <a:extLst>
-              <a:ext uri="{FF2B5EF4-FFF2-40B4-BE49-F238E27FC236}">
-                <a16:creationId xmlns:a16="http://schemas.microsoft.com/office/drawing/2014/main" id="{709128B7-868F-42F4-92DA-742FEE65F02B}"/>
-              </a:ext>
-            </a:extLst>
-          </p:cNvPr>
-          <p:cNvCxnSpPr>
-            <a:cxnSpLocks/>
-            <a:stCxn id="30" idx="3"/>
-            <a:endCxn id="12" idx="1"/>
-          </p:cNvCxnSpPr>
-          <p:nvPr/>
-        </p:nvCxnSpPr>
-        <p:spPr>
-          <a:xfrm flipV="1">
-            <a:off x="6669257" y="4526256"/>
-            <a:ext cx="1163805" cy="17935"/>
-          </a:xfrm>
-          <a:prstGeom prst="line">
-            <a:avLst/>
-          </a:prstGeom>
-          <a:ln w="12700">
-            <a:solidFill>
-              <a:schemeClr val="tx1"/>
-            </a:solidFill>
-          </a:ln>
-        </p:spPr>
-        <p:style>
-          <a:lnRef idx="1">
-            <a:schemeClr val="accent1"/>
-          </a:lnRef>
-          <a:fillRef idx="0">
-            <a:schemeClr val="accent1"/>
-          </a:fillRef>
-          <a:effectRef idx="0">
-            <a:schemeClr val="accent1"/>
-          </a:effectRef>
-          <a:fontRef idx="minor">
-            <a:schemeClr val="tx1"/>
-          </a:fontRef>
-        </p:style>
-      </p:cxnSp>
-      <p:sp>
-        <p:nvSpPr>
-          <p:cNvPr id="39" name="文本框 38">
-            <a:extLst>
-              <a:ext uri="{FF2B5EF4-FFF2-40B4-BE49-F238E27FC236}">
-                <a16:creationId xmlns:a16="http://schemas.microsoft.com/office/drawing/2014/main" id="{BB5D1683-1027-4424-945B-7FF83C20A374}"/>
+      <p:sp>
+        <p:nvSpPr>
+          <p:cNvPr id="52" name="文本框 51">
+            <a:extLst>
+              <a:ext uri="{FF2B5EF4-FFF2-40B4-BE49-F238E27FC236}">
+                <a16:creationId xmlns:a16="http://schemas.microsoft.com/office/drawing/2014/main" id="{C9080C95-BD1C-47BA-B3E3-9058EC47F88A}"/>
               </a:ext>
             </a:extLst>
           </p:cNvPr>
@@ -7459,8 +8991,8 @@
         </p:nvSpPr>
         <p:spPr>
           <a:xfrm>
-            <a:off x="7167509" y="4245264"/>
-            <a:ext cx="298450" cy="338554"/>
+            <a:off x="8546211" y="4407286"/>
+            <a:ext cx="233362" cy="338554"/>
           </a:xfrm>
           <a:prstGeom prst="rect">
             <a:avLst/>
@@ -7475,595 +9007,9 @@
           <a:p>
             <a:r>
               <a:rPr lang="en-US" altLang="zh-CN" sz="1600" dirty="0"/>
-              <a:t>1</a:t>
+              <a:t>N</a:t>
             </a:r>
             <a:endParaRPr lang="zh-CN" altLang="en-US" sz="1600" dirty="0"/>
-          </a:p>
-        </p:txBody>
-      </p:sp>
-      <p:cxnSp>
-        <p:nvCxnSpPr>
-          <p:cNvPr id="45" name="直接连接符 44">
-            <a:extLst>
-              <a:ext uri="{FF2B5EF4-FFF2-40B4-BE49-F238E27FC236}">
-                <a16:creationId xmlns:a16="http://schemas.microsoft.com/office/drawing/2014/main" id="{1CCCF52C-554B-483E-BC3B-E115DA632550}"/>
-              </a:ext>
-            </a:extLst>
-          </p:cNvPr>
-          <p:cNvCxnSpPr>
-            <a:cxnSpLocks/>
-            <a:stCxn id="11" idx="3"/>
-            <a:endCxn id="31" idx="1"/>
-          </p:cNvCxnSpPr>
-          <p:nvPr/>
-        </p:nvCxnSpPr>
-        <p:spPr>
-          <a:xfrm flipV="1">
-            <a:off x="4527804" y="5371099"/>
-            <a:ext cx="1609374" cy="28739"/>
-          </a:xfrm>
-          <a:prstGeom prst="line">
-            <a:avLst/>
-          </a:prstGeom>
-          <a:ln w="19050">
-            <a:solidFill>
-              <a:schemeClr val="tx1"/>
-            </a:solidFill>
-          </a:ln>
-        </p:spPr>
-        <p:style>
-          <a:lnRef idx="1">
-            <a:schemeClr val="accent1"/>
-          </a:lnRef>
-          <a:fillRef idx="0">
-            <a:schemeClr val="accent1"/>
-          </a:fillRef>
-          <a:effectRef idx="0">
-            <a:schemeClr val="accent1"/>
-          </a:effectRef>
-          <a:fontRef idx="minor">
-            <a:schemeClr val="tx1"/>
-          </a:fontRef>
-        </p:style>
-      </p:cxnSp>
-      <p:sp>
-        <p:nvSpPr>
-          <p:cNvPr id="47" name="文本框 46">
-            <a:extLst>
-              <a:ext uri="{FF2B5EF4-FFF2-40B4-BE49-F238E27FC236}">
-                <a16:creationId xmlns:a16="http://schemas.microsoft.com/office/drawing/2014/main" id="{7836F5F4-775C-45DF-84DF-99251E3440D7}"/>
-              </a:ext>
-            </a:extLst>
-          </p:cNvPr>
-          <p:cNvSpPr txBox="1"/>
-          <p:nvPr/>
-        </p:nvSpPr>
-        <p:spPr>
-          <a:xfrm>
-            <a:off x="5306123" y="5124987"/>
-            <a:ext cx="233362" cy="338554"/>
-          </a:xfrm>
-          <a:prstGeom prst="rect">
-            <a:avLst/>
-          </a:prstGeom>
-          <a:noFill/>
-        </p:spPr>
-        <p:txBody>
-          <a:bodyPr wrap="square" rtlCol="0">
-            <a:spAutoFit/>
-          </a:bodyPr>
-          <a:lstStyle/>
-          <a:p>
-            <a:r>
-              <a:rPr lang="en-US" altLang="zh-CN" sz="1600" dirty="0"/>
-              <a:t>N</a:t>
-            </a:r>
-            <a:endParaRPr lang="zh-CN" altLang="en-US" sz="1600" dirty="0"/>
-          </a:p>
-        </p:txBody>
-      </p:sp>
-      <p:cxnSp>
-        <p:nvCxnSpPr>
-          <p:cNvPr id="49" name="直接连接符 48">
-            <a:extLst>
-              <a:ext uri="{FF2B5EF4-FFF2-40B4-BE49-F238E27FC236}">
-                <a16:creationId xmlns:a16="http://schemas.microsoft.com/office/drawing/2014/main" id="{15517884-3EBB-47D9-AF3A-50DE0897AE3E}"/>
-              </a:ext>
-            </a:extLst>
-          </p:cNvPr>
-          <p:cNvCxnSpPr>
-            <a:cxnSpLocks/>
-            <a:stCxn id="31" idx="3"/>
-          </p:cNvCxnSpPr>
-          <p:nvPr/>
-        </p:nvCxnSpPr>
-        <p:spPr>
-          <a:xfrm flipV="1">
-            <a:off x="6720586" y="5371098"/>
-            <a:ext cx="1112476" cy="1"/>
-          </a:xfrm>
-          <a:prstGeom prst="line">
-            <a:avLst/>
-          </a:prstGeom>
-          <a:ln w="19050">
-            <a:solidFill>
-              <a:schemeClr val="tx1"/>
-            </a:solidFill>
-          </a:ln>
-        </p:spPr>
-        <p:style>
-          <a:lnRef idx="1">
-            <a:schemeClr val="accent1"/>
-          </a:lnRef>
-          <a:fillRef idx="0">
-            <a:schemeClr val="accent1"/>
-          </a:fillRef>
-          <a:effectRef idx="0">
-            <a:schemeClr val="accent1"/>
-          </a:effectRef>
-          <a:fontRef idx="minor">
-            <a:schemeClr val="tx1"/>
-          </a:fontRef>
-        </p:style>
-      </p:cxnSp>
-      <p:sp>
-        <p:nvSpPr>
-          <p:cNvPr id="50" name="文本框 49">
-            <a:extLst>
-              <a:ext uri="{FF2B5EF4-FFF2-40B4-BE49-F238E27FC236}">
-                <a16:creationId xmlns:a16="http://schemas.microsoft.com/office/drawing/2014/main" id="{B770A398-6C6B-430C-AE53-3D75D7CA1FDD}"/>
-              </a:ext>
-            </a:extLst>
-          </p:cNvPr>
-          <p:cNvSpPr txBox="1"/>
-          <p:nvPr/>
-        </p:nvSpPr>
-        <p:spPr>
-          <a:xfrm>
-            <a:off x="7169054" y="5061284"/>
-            <a:ext cx="298450" cy="338554"/>
-          </a:xfrm>
-          <a:prstGeom prst="rect">
-            <a:avLst/>
-          </a:prstGeom>
-          <a:noFill/>
-        </p:spPr>
-        <p:txBody>
-          <a:bodyPr wrap="square" rtlCol="0">
-            <a:spAutoFit/>
-          </a:bodyPr>
-          <a:lstStyle/>
-          <a:p>
-            <a:r>
-              <a:rPr lang="en-US" altLang="zh-CN" sz="1600" dirty="0"/>
-              <a:t>1</a:t>
-            </a:r>
-            <a:endParaRPr lang="zh-CN" altLang="en-US" sz="1600" dirty="0"/>
-          </a:p>
-        </p:txBody>
-      </p:sp>
-      <p:sp>
-        <p:nvSpPr>
-          <p:cNvPr id="70" name="流程图: 决策 69">
-            <a:extLst>
-              <a:ext uri="{FF2B5EF4-FFF2-40B4-BE49-F238E27FC236}">
-                <a16:creationId xmlns:a16="http://schemas.microsoft.com/office/drawing/2014/main" id="{46A2B933-A2E0-4ED0-A23E-624871975C09}"/>
-              </a:ext>
-            </a:extLst>
-          </p:cNvPr>
-          <p:cNvSpPr/>
-          <p:nvPr/>
-        </p:nvSpPr>
-        <p:spPr>
-          <a:xfrm>
-            <a:off x="8136628" y="2606073"/>
-            <a:ext cx="771523" cy="330777"/>
-          </a:xfrm>
-          <a:prstGeom prst="flowChartDecision">
-            <a:avLst/>
-          </a:prstGeom>
-          <a:solidFill>
-            <a:schemeClr val="accent4">
-              <a:lumMod val="20000"/>
-              <a:lumOff val="80000"/>
-            </a:schemeClr>
-          </a:solidFill>
-          <a:ln>
-            <a:solidFill>
-              <a:schemeClr val="tx1"/>
-            </a:solidFill>
-          </a:ln>
-        </p:spPr>
-        <p:style>
-          <a:lnRef idx="2">
-            <a:schemeClr val="accent1">
-              <a:shade val="50000"/>
-            </a:schemeClr>
-          </a:lnRef>
-          <a:fillRef idx="1">
-            <a:schemeClr val="accent1"/>
-          </a:fillRef>
-          <a:effectRef idx="0">
-            <a:schemeClr val="accent1"/>
-          </a:effectRef>
-          <a:fontRef idx="minor">
-            <a:schemeClr val="lt1"/>
-          </a:fontRef>
-        </p:style>
-        <p:txBody>
-          <a:bodyPr rtlCol="0" anchor="ctr"/>
-          <a:lstStyle/>
-          <a:p>
-            <a:pPr algn="ctr"/>
-            <a:r>
-              <a:rPr lang="zh-CN" altLang="en-US" sz="1200" dirty="0">
-                <a:solidFill>
-                  <a:schemeClr val="tx1"/>
-                </a:solidFill>
-              </a:rPr>
-              <a:t>属于</a:t>
-            </a:r>
-          </a:p>
-        </p:txBody>
-      </p:sp>
-      <p:cxnSp>
-        <p:nvCxnSpPr>
-          <p:cNvPr id="72" name="直接连接符 71">
-            <a:extLst>
-              <a:ext uri="{FF2B5EF4-FFF2-40B4-BE49-F238E27FC236}">
-                <a16:creationId xmlns:a16="http://schemas.microsoft.com/office/drawing/2014/main" id="{C20A32DD-2F0A-4532-AF43-9D530F3DEF6C}"/>
-              </a:ext>
-            </a:extLst>
-          </p:cNvPr>
-          <p:cNvCxnSpPr>
-            <a:stCxn id="15" idx="2"/>
-            <a:endCxn id="70" idx="0"/>
-          </p:cNvCxnSpPr>
-          <p:nvPr/>
-        </p:nvCxnSpPr>
-        <p:spPr>
-          <a:xfrm>
-            <a:off x="8508116" y="2131593"/>
-            <a:ext cx="14274" cy="474480"/>
-          </a:xfrm>
-          <a:prstGeom prst="line">
-            <a:avLst/>
-          </a:prstGeom>
-          <a:ln w="19050"/>
-        </p:spPr>
-        <p:style>
-          <a:lnRef idx="1">
-            <a:schemeClr val="dk1"/>
-          </a:lnRef>
-          <a:fillRef idx="0">
-            <a:schemeClr val="dk1"/>
-          </a:fillRef>
-          <a:effectRef idx="0">
-            <a:schemeClr val="dk1"/>
-          </a:effectRef>
-          <a:fontRef idx="minor">
-            <a:schemeClr val="tx1"/>
-          </a:fontRef>
-        </p:style>
-      </p:cxnSp>
-      <p:cxnSp>
-        <p:nvCxnSpPr>
-          <p:cNvPr id="74" name="直接连接符 73">
-            <a:extLst>
-              <a:ext uri="{FF2B5EF4-FFF2-40B4-BE49-F238E27FC236}">
-                <a16:creationId xmlns:a16="http://schemas.microsoft.com/office/drawing/2014/main" id="{AC21F8A9-9DD9-4C7E-A36F-65EFD3ED9DB1}"/>
-              </a:ext>
-            </a:extLst>
-          </p:cNvPr>
-          <p:cNvCxnSpPr>
-            <a:cxnSpLocks/>
-            <a:stCxn id="70" idx="2"/>
-            <a:endCxn id="12" idx="0"/>
-          </p:cNvCxnSpPr>
-          <p:nvPr/>
-        </p:nvCxnSpPr>
-        <p:spPr>
-          <a:xfrm>
-            <a:off x="8522390" y="2936850"/>
-            <a:ext cx="15522" cy="513280"/>
-          </a:xfrm>
-          <a:prstGeom prst="line">
-            <a:avLst/>
-          </a:prstGeom>
-          <a:ln w="12700"/>
-        </p:spPr>
-        <p:style>
-          <a:lnRef idx="1">
-            <a:schemeClr val="dk1"/>
-          </a:lnRef>
-          <a:fillRef idx="0">
-            <a:schemeClr val="dk1"/>
-          </a:fillRef>
-          <a:effectRef idx="0">
-            <a:schemeClr val="dk1"/>
-          </a:effectRef>
-          <a:fontRef idx="minor">
-            <a:schemeClr val="tx1"/>
-          </a:fontRef>
-        </p:style>
-      </p:cxnSp>
-      <p:sp>
-        <p:nvSpPr>
-          <p:cNvPr id="75" name="文本框 74">
-            <a:extLst>
-              <a:ext uri="{FF2B5EF4-FFF2-40B4-BE49-F238E27FC236}">
-                <a16:creationId xmlns:a16="http://schemas.microsoft.com/office/drawing/2014/main" id="{8FAEB9B0-F380-44A1-AFAF-EE44D18D6AFC}"/>
-              </a:ext>
-            </a:extLst>
-          </p:cNvPr>
-          <p:cNvSpPr txBox="1"/>
-          <p:nvPr/>
-        </p:nvSpPr>
-        <p:spPr>
-          <a:xfrm>
-            <a:off x="8600302" y="2200796"/>
-            <a:ext cx="286409" cy="338554"/>
-          </a:xfrm>
-          <a:prstGeom prst="rect">
-            <a:avLst/>
-          </a:prstGeom>
-          <a:noFill/>
-        </p:spPr>
-        <p:txBody>
-          <a:bodyPr wrap="square" rtlCol="0">
-            <a:spAutoFit/>
-          </a:bodyPr>
-          <a:lstStyle/>
-          <a:p>
-            <a:r>
-              <a:rPr lang="en-US" altLang="zh-CN" sz="1600" dirty="0"/>
-              <a:t>1</a:t>
-            </a:r>
-            <a:endParaRPr lang="zh-CN" altLang="en-US" sz="1600" dirty="0"/>
-          </a:p>
-        </p:txBody>
-      </p:sp>
-      <p:sp>
-        <p:nvSpPr>
-          <p:cNvPr id="76" name="文本框 75">
-            <a:extLst>
-              <a:ext uri="{FF2B5EF4-FFF2-40B4-BE49-F238E27FC236}">
-                <a16:creationId xmlns:a16="http://schemas.microsoft.com/office/drawing/2014/main" id="{40888C6A-16FF-4BC0-A7BD-F46A3B609940}"/>
-              </a:ext>
-            </a:extLst>
-          </p:cNvPr>
-          <p:cNvSpPr txBox="1"/>
-          <p:nvPr/>
-        </p:nvSpPr>
-        <p:spPr>
-          <a:xfrm>
-            <a:off x="8600302" y="3018141"/>
-            <a:ext cx="385754" cy="338554"/>
-          </a:xfrm>
-          <a:prstGeom prst="rect">
-            <a:avLst/>
-          </a:prstGeom>
-          <a:noFill/>
-        </p:spPr>
-        <p:txBody>
-          <a:bodyPr wrap="square" rtlCol="0">
-            <a:spAutoFit/>
-          </a:bodyPr>
-          <a:lstStyle/>
-          <a:p>
-            <a:r>
-              <a:rPr lang="en-US" altLang="zh-CN" sz="1600" dirty="0"/>
-              <a:t>1</a:t>
-            </a:r>
-            <a:endParaRPr lang="zh-CN" altLang="en-US" sz="1600" dirty="0"/>
-          </a:p>
-        </p:txBody>
-      </p:sp>
-      <p:cxnSp>
-        <p:nvCxnSpPr>
-          <p:cNvPr id="89" name="直接连接符 88">
-            <a:extLst>
-              <a:ext uri="{FF2B5EF4-FFF2-40B4-BE49-F238E27FC236}">
-                <a16:creationId xmlns:a16="http://schemas.microsoft.com/office/drawing/2014/main" id="{5CCCD8AB-7E52-445D-B55D-0FCAD36BF5AC}"/>
-              </a:ext>
-            </a:extLst>
-          </p:cNvPr>
-          <p:cNvCxnSpPr>
-            <a:cxnSpLocks/>
-            <a:endCxn id="14" idx="1"/>
-          </p:cNvCxnSpPr>
-          <p:nvPr/>
-        </p:nvCxnSpPr>
-        <p:spPr>
-          <a:xfrm>
-            <a:off x="4937922" y="1674393"/>
-            <a:ext cx="1102685" cy="0"/>
-          </a:xfrm>
-          <a:prstGeom prst="line">
-            <a:avLst/>
-          </a:prstGeom>
-          <a:ln w="12700"/>
-        </p:spPr>
-        <p:style>
-          <a:lnRef idx="1">
-            <a:schemeClr val="dk1"/>
-          </a:lnRef>
-          <a:fillRef idx="0">
-            <a:schemeClr val="dk1"/>
-          </a:fillRef>
-          <a:effectRef idx="0">
-            <a:schemeClr val="dk1"/>
-          </a:effectRef>
-          <a:fontRef idx="minor">
-            <a:schemeClr val="tx1"/>
-          </a:fontRef>
-        </p:style>
-      </p:cxnSp>
-      <p:cxnSp>
-        <p:nvCxnSpPr>
-          <p:cNvPr id="91" name="直接连接符 90">
-            <a:extLst>
-              <a:ext uri="{FF2B5EF4-FFF2-40B4-BE49-F238E27FC236}">
-                <a16:creationId xmlns:a16="http://schemas.microsoft.com/office/drawing/2014/main" id="{33269438-DB45-4C1A-B345-DA59FA5D3D5B}"/>
-              </a:ext>
-            </a:extLst>
-          </p:cNvPr>
-          <p:cNvCxnSpPr>
-            <a:stCxn id="14" idx="3"/>
-            <a:endCxn id="15" idx="1"/>
-          </p:cNvCxnSpPr>
-          <p:nvPr/>
-        </p:nvCxnSpPr>
-        <p:spPr>
-          <a:xfrm>
-            <a:off x="6669257" y="1674393"/>
-            <a:ext cx="1381659" cy="0"/>
-          </a:xfrm>
-          <a:prstGeom prst="line">
-            <a:avLst/>
-          </a:prstGeom>
-          <a:ln w="12700"/>
-        </p:spPr>
-        <p:style>
-          <a:lnRef idx="1">
-            <a:schemeClr val="dk1"/>
-          </a:lnRef>
-          <a:fillRef idx="0">
-            <a:schemeClr val="dk1"/>
-          </a:fillRef>
-          <a:effectRef idx="0">
-            <a:schemeClr val="dk1"/>
-          </a:effectRef>
-          <a:fontRef idx="minor">
-            <a:schemeClr val="tx1"/>
-          </a:fontRef>
-        </p:style>
-      </p:cxnSp>
-      <p:sp>
-        <p:nvSpPr>
-          <p:cNvPr id="106" name="文本框 105">
-            <a:extLst>
-              <a:ext uri="{FF2B5EF4-FFF2-40B4-BE49-F238E27FC236}">
-                <a16:creationId xmlns:a16="http://schemas.microsoft.com/office/drawing/2014/main" id="{EF4A2F07-4BE0-43B1-AA93-1A0EB4F669D5}"/>
-              </a:ext>
-            </a:extLst>
-          </p:cNvPr>
-          <p:cNvSpPr txBox="1"/>
-          <p:nvPr/>
-        </p:nvSpPr>
-        <p:spPr>
-          <a:xfrm>
-            <a:off x="5214551" y="1383957"/>
-            <a:ext cx="324934" cy="338554"/>
-          </a:xfrm>
-          <a:prstGeom prst="rect">
-            <a:avLst/>
-          </a:prstGeom>
-          <a:noFill/>
-        </p:spPr>
-        <p:txBody>
-          <a:bodyPr wrap="square" rtlCol="0">
-            <a:spAutoFit/>
-          </a:bodyPr>
-          <a:lstStyle/>
-          <a:p>
-            <a:r>
-              <a:rPr lang="en-US" altLang="zh-CN" sz="1600" dirty="0"/>
-              <a:t>N</a:t>
-            </a:r>
-            <a:endParaRPr lang="zh-CN" altLang="en-US" sz="1600" dirty="0"/>
-          </a:p>
-        </p:txBody>
-      </p:sp>
-      <p:sp>
-        <p:nvSpPr>
-          <p:cNvPr id="107" name="文本框 106">
-            <a:extLst>
-              <a:ext uri="{FF2B5EF4-FFF2-40B4-BE49-F238E27FC236}">
-                <a16:creationId xmlns:a16="http://schemas.microsoft.com/office/drawing/2014/main" id="{F11026CF-AE29-428F-B89D-181BA0CE798A}"/>
-              </a:ext>
-            </a:extLst>
-          </p:cNvPr>
-          <p:cNvSpPr txBox="1"/>
-          <p:nvPr/>
-        </p:nvSpPr>
-        <p:spPr>
-          <a:xfrm>
-            <a:off x="7141176" y="1383957"/>
-            <a:ext cx="324934" cy="338554"/>
-          </a:xfrm>
-          <a:prstGeom prst="rect">
-            <a:avLst/>
-          </a:prstGeom>
-          <a:noFill/>
-        </p:spPr>
-        <p:txBody>
-          <a:bodyPr wrap="square" rtlCol="0">
-            <a:spAutoFit/>
-          </a:bodyPr>
-          <a:lstStyle/>
-          <a:p>
-            <a:r>
-              <a:rPr lang="en-US" altLang="zh-CN" sz="1600" dirty="0"/>
-              <a:t>N</a:t>
-            </a:r>
-            <a:endParaRPr lang="zh-CN" altLang="en-US" sz="1600" dirty="0"/>
-          </a:p>
-        </p:txBody>
-      </p:sp>
-      <p:sp>
-        <p:nvSpPr>
-          <p:cNvPr id="111" name="矩形: 圆角 110">
-            <a:extLst>
-              <a:ext uri="{FF2B5EF4-FFF2-40B4-BE49-F238E27FC236}">
-                <a16:creationId xmlns:a16="http://schemas.microsoft.com/office/drawing/2014/main" id="{59C18430-0D19-438D-A170-CA4FF175E85D}"/>
-              </a:ext>
-            </a:extLst>
-          </p:cNvPr>
-          <p:cNvSpPr/>
-          <p:nvPr/>
-        </p:nvSpPr>
-        <p:spPr>
-          <a:xfrm>
-            <a:off x="8034165" y="4414541"/>
-            <a:ext cx="759014" cy="504420"/>
-          </a:xfrm>
-          <a:prstGeom prst="roundRect">
-            <a:avLst/>
-          </a:prstGeom>
-          <a:solidFill>
-            <a:srgbClr val="FFFFFF"/>
-          </a:solidFill>
-        </p:spPr>
-        <p:style>
-          <a:lnRef idx="2">
-            <a:schemeClr val="accent1">
-              <a:shade val="50000"/>
-            </a:schemeClr>
-          </a:lnRef>
-          <a:fillRef idx="1">
-            <a:schemeClr val="accent1"/>
-          </a:fillRef>
-          <a:effectRef idx="0">
-            <a:schemeClr val="accent1"/>
-          </a:effectRef>
-          <a:fontRef idx="minor">
-            <a:schemeClr val="lt1"/>
-          </a:fontRef>
-        </p:style>
-        <p:txBody>
-          <a:bodyPr rtlCol="0" anchor="ctr"/>
-          <a:lstStyle/>
-          <a:p>
-            <a:pPr algn="ctr"/>
-            <a:r>
-              <a:rPr lang="zh-CN" altLang="en-US" dirty="0">
-                <a:solidFill>
-                  <a:schemeClr val="tx1"/>
-                </a:solidFill>
-              </a:rPr>
-              <a:t>建筑</a:t>
-            </a:r>
           </a:p>
         </p:txBody>
       </p:sp>
@@ -9613,7 +10559,7 @@
         <p:spPr>
           <a:xfrm flipH="1">
             <a:off x="7309685" y="2860974"/>
-            <a:ext cx="708246" cy="10308"/>
+            <a:ext cx="718853" cy="10308"/>
           </a:xfrm>
           <a:prstGeom prst="line">
             <a:avLst/>
@@ -9649,7 +10595,7 @@
         </p:nvSpPr>
         <p:spPr>
           <a:xfrm>
-            <a:off x="8017931" y="2662803"/>
+            <a:off x="8028538" y="2662803"/>
             <a:ext cx="816593" cy="396341"/>
           </a:xfrm>
           <a:prstGeom prst="rect">
@@ -9710,7 +10656,7 @@
         </p:nvSpPr>
         <p:spPr>
           <a:xfrm>
-            <a:off x="6516540" y="3817156"/>
+            <a:off x="1928490" y="5560598"/>
             <a:ext cx="816593" cy="396341"/>
           </a:xfrm>
           <a:prstGeom prst="rect">
@@ -9771,7 +10717,7 @@
         </p:nvSpPr>
         <p:spPr>
           <a:xfrm>
-            <a:off x="4991701" y="3762890"/>
+            <a:off x="403651" y="5506332"/>
             <a:ext cx="816593" cy="504873"/>
           </a:xfrm>
           <a:prstGeom prst="ellipse">
@@ -9836,7 +10782,7 @@
         </p:nvCxnSpPr>
         <p:spPr>
           <a:xfrm>
-            <a:off x="5808294" y="4015327"/>
+            <a:off x="1220244" y="5758769"/>
             <a:ext cx="708246" cy="0"/>
           </a:xfrm>
           <a:prstGeom prst="line">
@@ -9877,7 +10823,7 @@
         </p:nvCxnSpPr>
         <p:spPr>
           <a:xfrm flipH="1">
-            <a:off x="7333133" y="4005019"/>
+            <a:off x="2745083" y="5748461"/>
             <a:ext cx="708246" cy="10308"/>
           </a:xfrm>
           <a:prstGeom prst="line">
@@ -9914,7 +10860,7 @@
         </p:nvSpPr>
         <p:spPr>
           <a:xfrm>
-            <a:off x="8041379" y="3806848"/>
+            <a:off x="3453329" y="5550290"/>
             <a:ext cx="816593" cy="396341"/>
           </a:xfrm>
           <a:prstGeom prst="rect">
@@ -9958,6 +10904,42 @@
               </a:rPr>
               <a:t>项目</a:t>
             </a:r>
+          </a:p>
+        </p:txBody>
+      </p:sp>
+      <p:sp>
+        <p:nvSpPr>
+          <p:cNvPr id="38" name="文本框 37">
+            <a:extLst>
+              <a:ext uri="{FF2B5EF4-FFF2-40B4-BE49-F238E27FC236}">
+                <a16:creationId xmlns:a16="http://schemas.microsoft.com/office/drawing/2014/main" id="{5C532B00-E44A-4F50-A91A-08F39983AC53}"/>
+              </a:ext>
+            </a:extLst>
+          </p:cNvPr>
+          <p:cNvSpPr txBox="1"/>
+          <p:nvPr/>
+        </p:nvSpPr>
+        <p:spPr>
+          <a:xfrm>
+            <a:off x="7501341" y="2550432"/>
+            <a:ext cx="324934" cy="338554"/>
+          </a:xfrm>
+          <a:prstGeom prst="rect">
+            <a:avLst/>
+          </a:prstGeom>
+          <a:noFill/>
+        </p:spPr>
+        <p:txBody>
+          <a:bodyPr wrap="square" rtlCol="0">
+            <a:spAutoFit/>
+          </a:bodyPr>
+          <a:lstStyle/>
+          <a:p>
+            <a:r>
+              <a:rPr lang="en-US" altLang="zh-CN" sz="1600" dirty="0"/>
+              <a:t>N</a:t>
+            </a:r>
+            <a:endParaRPr lang="zh-CN" altLang="en-US" sz="1600" dirty="0"/>
           </a:p>
         </p:txBody>
       </p:sp>
